--- a/Chapter7/Figures/Fig6.pptx
+++ b/Chapter7/Figures/Fig6.pptx
@@ -4,10 +4,13 @@
   <p:sldMasterIdLst>
     <p:sldMasterId id="2147483648" r:id="rId1"/>
   </p:sldMasterIdLst>
+  <p:notesMasterIdLst>
+    <p:notesMasterId r:id="rId3"/>
+  </p:notesMasterIdLst>
   <p:sldIdLst>
     <p:sldId id="256" r:id="rId2"/>
   </p:sldIdLst>
-  <p:sldSz cx="10801350" cy="12422188"/>
+  <p:sldSz cx="10801350" cy="13322300"/>
   <p:notesSz cx="6858000" cy="9144000"/>
   <p:defaultTextStyle>
     <a:defPPr>
@@ -107,6 +110,440 @@
 </p:presentation>
 </file>
 
+<file path=ppt/notesMasters/notesMaster1.xml><?xml version="1.0" encoding="utf-8"?>
+<p:notesMaster xmlns:a="http://schemas.openxmlformats.org/drawingml/2006/main" xmlns:r="http://schemas.openxmlformats.org/officeDocument/2006/relationships" xmlns:p="http://schemas.openxmlformats.org/presentationml/2006/main">
+  <p:cSld>
+    <p:bg>
+      <p:bgRef idx="1001">
+        <a:schemeClr val="bg1"/>
+      </p:bgRef>
+    </p:bg>
+    <p:spTree>
+      <p:nvGrpSpPr>
+        <p:cNvPr id="1" name=""/>
+        <p:cNvGrpSpPr/>
+        <p:nvPr/>
+      </p:nvGrpSpPr>
+      <p:grpSpPr>
+        <a:xfrm>
+          <a:off x="0" y="0"/>
+          <a:ext cx="0" cy="0"/>
+          <a:chOff x="0" y="0"/>
+          <a:chExt cx="0" cy="0"/>
+        </a:xfrm>
+      </p:grpSpPr>
+      <p:sp>
+        <p:nvSpPr>
+          <p:cNvPr id="2" name="Header Placeholder 1"/>
+          <p:cNvSpPr>
+            <a:spLocks noGrp="1"/>
+          </p:cNvSpPr>
+          <p:nvPr>
+            <p:ph type="hdr" sz="quarter"/>
+          </p:nvPr>
+        </p:nvSpPr>
+        <p:spPr>
+          <a:xfrm>
+            <a:off x="0" y="0"/>
+            <a:ext cx="2971800" cy="457200"/>
+          </a:xfrm>
+          <a:prstGeom prst="rect">
+            <a:avLst/>
+          </a:prstGeom>
+        </p:spPr>
+        <p:txBody>
+          <a:bodyPr vert="horz" lIns="91440" tIns="45720" rIns="91440" bIns="45720" rtlCol="0"/>
+          <a:lstStyle>
+            <a:lvl1pPr algn="l">
+              <a:defRPr sz="1200"/>
+            </a:lvl1pPr>
+          </a:lstStyle>
+          <a:p>
+            <a:endParaRPr lang="en-GB"/>
+          </a:p>
+        </p:txBody>
+      </p:sp>
+      <p:sp>
+        <p:nvSpPr>
+          <p:cNvPr id="3" name="Date Placeholder 2"/>
+          <p:cNvSpPr>
+            <a:spLocks noGrp="1"/>
+          </p:cNvSpPr>
+          <p:nvPr>
+            <p:ph type="dt" idx="1"/>
+          </p:nvPr>
+        </p:nvSpPr>
+        <p:spPr>
+          <a:xfrm>
+            <a:off x="3884613" y="0"/>
+            <a:ext cx="2971800" cy="457200"/>
+          </a:xfrm>
+          <a:prstGeom prst="rect">
+            <a:avLst/>
+          </a:prstGeom>
+        </p:spPr>
+        <p:txBody>
+          <a:bodyPr vert="horz" lIns="91440" tIns="45720" rIns="91440" bIns="45720" rtlCol="0"/>
+          <a:lstStyle>
+            <a:lvl1pPr algn="r">
+              <a:defRPr sz="1200"/>
+            </a:lvl1pPr>
+          </a:lstStyle>
+          <a:p>
+            <a:fld id="{88F7F4AF-C146-4B2A-A485-B89305A387A6}" type="datetimeFigureOut">
+              <a:rPr lang="en-GB" smtClean="0"/>
+              <a:t>10/09/2014</a:t>
+            </a:fld>
+            <a:endParaRPr lang="en-GB"/>
+          </a:p>
+        </p:txBody>
+      </p:sp>
+      <p:sp>
+        <p:nvSpPr>
+          <p:cNvPr id="4" name="Slide Image Placeholder 3"/>
+          <p:cNvSpPr>
+            <a:spLocks noGrp="1" noRot="1" noChangeAspect="1"/>
+          </p:cNvSpPr>
+          <p:nvPr>
+            <p:ph type="sldImg" idx="2"/>
+          </p:nvPr>
+        </p:nvSpPr>
+        <p:spPr>
+          <a:xfrm>
+            <a:off x="2038350" y="685800"/>
+            <a:ext cx="2781300" cy="3429000"/>
+          </a:xfrm>
+          <a:prstGeom prst="rect">
+            <a:avLst/>
+          </a:prstGeom>
+          <a:noFill/>
+          <a:ln w="12700">
+            <a:solidFill>
+              <a:prstClr val="black"/>
+            </a:solidFill>
+          </a:ln>
+        </p:spPr>
+        <p:txBody>
+          <a:bodyPr vert="horz" lIns="91440" tIns="45720" rIns="91440" bIns="45720" rtlCol="0" anchor="ctr"/>
+          <a:lstStyle/>
+          <a:p>
+            <a:endParaRPr lang="en-GB"/>
+          </a:p>
+        </p:txBody>
+      </p:sp>
+      <p:sp>
+        <p:nvSpPr>
+          <p:cNvPr id="5" name="Notes Placeholder 4"/>
+          <p:cNvSpPr>
+            <a:spLocks noGrp="1"/>
+          </p:cNvSpPr>
+          <p:nvPr>
+            <p:ph type="body" sz="quarter" idx="3"/>
+          </p:nvPr>
+        </p:nvSpPr>
+        <p:spPr>
+          <a:xfrm>
+            <a:off x="685800" y="4343400"/>
+            <a:ext cx="5486400" cy="4114800"/>
+          </a:xfrm>
+          <a:prstGeom prst="rect">
+            <a:avLst/>
+          </a:prstGeom>
+        </p:spPr>
+        <p:txBody>
+          <a:bodyPr vert="horz" lIns="91440" tIns="45720" rIns="91440" bIns="45720" rtlCol="0"/>
+          <a:lstStyle/>
+          <a:p>
+            <a:pPr lvl="0"/>
+            <a:r>
+              <a:rPr lang="en-US" smtClean="0"/>
+              <a:t>Click to edit Master text styles</a:t>
+            </a:r>
+          </a:p>
+          <a:p>
+            <a:pPr lvl="1"/>
+            <a:r>
+              <a:rPr lang="en-US" smtClean="0"/>
+              <a:t>Second level</a:t>
+            </a:r>
+          </a:p>
+          <a:p>
+            <a:pPr lvl="2"/>
+            <a:r>
+              <a:rPr lang="en-US" smtClean="0"/>
+              <a:t>Third level</a:t>
+            </a:r>
+          </a:p>
+          <a:p>
+            <a:pPr lvl="3"/>
+            <a:r>
+              <a:rPr lang="en-US" smtClean="0"/>
+              <a:t>Fourth level</a:t>
+            </a:r>
+          </a:p>
+          <a:p>
+            <a:pPr lvl="4"/>
+            <a:r>
+              <a:rPr lang="en-US" smtClean="0"/>
+              <a:t>Fifth level</a:t>
+            </a:r>
+            <a:endParaRPr lang="en-GB"/>
+          </a:p>
+        </p:txBody>
+      </p:sp>
+      <p:sp>
+        <p:nvSpPr>
+          <p:cNvPr id="6" name="Footer Placeholder 5"/>
+          <p:cNvSpPr>
+            <a:spLocks noGrp="1"/>
+          </p:cNvSpPr>
+          <p:nvPr>
+            <p:ph type="ftr" sz="quarter" idx="4"/>
+          </p:nvPr>
+        </p:nvSpPr>
+        <p:spPr>
+          <a:xfrm>
+            <a:off x="0" y="8685213"/>
+            <a:ext cx="2971800" cy="457200"/>
+          </a:xfrm>
+          <a:prstGeom prst="rect">
+            <a:avLst/>
+          </a:prstGeom>
+        </p:spPr>
+        <p:txBody>
+          <a:bodyPr vert="horz" lIns="91440" tIns="45720" rIns="91440" bIns="45720" rtlCol="0" anchor="b"/>
+          <a:lstStyle>
+            <a:lvl1pPr algn="l">
+              <a:defRPr sz="1200"/>
+            </a:lvl1pPr>
+          </a:lstStyle>
+          <a:p>
+            <a:endParaRPr lang="en-GB"/>
+          </a:p>
+        </p:txBody>
+      </p:sp>
+      <p:sp>
+        <p:nvSpPr>
+          <p:cNvPr id="7" name="Slide Number Placeholder 6"/>
+          <p:cNvSpPr>
+            <a:spLocks noGrp="1"/>
+          </p:cNvSpPr>
+          <p:nvPr>
+            <p:ph type="sldNum" sz="quarter" idx="5"/>
+          </p:nvPr>
+        </p:nvSpPr>
+        <p:spPr>
+          <a:xfrm>
+            <a:off x="3884613" y="8685213"/>
+            <a:ext cx="2971800" cy="457200"/>
+          </a:xfrm>
+          <a:prstGeom prst="rect">
+            <a:avLst/>
+          </a:prstGeom>
+        </p:spPr>
+        <p:txBody>
+          <a:bodyPr vert="horz" lIns="91440" tIns="45720" rIns="91440" bIns="45720" rtlCol="0" anchor="b"/>
+          <a:lstStyle>
+            <a:lvl1pPr algn="r">
+              <a:defRPr sz="1200"/>
+            </a:lvl1pPr>
+          </a:lstStyle>
+          <a:p>
+            <a:fld id="{C1A91B47-A871-47CE-B132-CE6DB950A5CC}" type="slidenum">
+              <a:rPr lang="en-GB" smtClean="0"/>
+              <a:t>‹#›</a:t>
+            </a:fld>
+            <a:endParaRPr lang="en-GB"/>
+          </a:p>
+        </p:txBody>
+      </p:sp>
+    </p:spTree>
+    <p:extLst>
+      <p:ext uri="{BB962C8B-B14F-4D97-AF65-F5344CB8AC3E}">
+        <p14:creationId xmlns:p14="http://schemas.microsoft.com/office/powerpoint/2010/main" val="1678462830"/>
+      </p:ext>
+    </p:extLst>
+  </p:cSld>
+  <p:clrMap bg1="lt1" tx1="dk1" bg2="lt2" tx2="dk2" accent1="accent1" accent2="accent2" accent3="accent3" accent4="accent4" accent5="accent5" accent6="accent6" hlink="hlink" folHlink="folHlink"/>
+  <p:notesStyle>
+    <a:lvl1pPr marL="0" algn="l" defTabSz="914400" rtl="0" eaLnBrk="1" latinLnBrk="0" hangingPunct="1">
+      <a:defRPr sz="1200" kern="1200">
+        <a:solidFill>
+          <a:schemeClr val="tx1"/>
+        </a:solidFill>
+        <a:latin typeface="+mn-lt"/>
+        <a:ea typeface="+mn-ea"/>
+        <a:cs typeface="+mn-cs"/>
+      </a:defRPr>
+    </a:lvl1pPr>
+    <a:lvl2pPr marL="457200" algn="l" defTabSz="914400" rtl="0" eaLnBrk="1" latinLnBrk="0" hangingPunct="1">
+      <a:defRPr sz="1200" kern="1200">
+        <a:solidFill>
+          <a:schemeClr val="tx1"/>
+        </a:solidFill>
+        <a:latin typeface="+mn-lt"/>
+        <a:ea typeface="+mn-ea"/>
+        <a:cs typeface="+mn-cs"/>
+      </a:defRPr>
+    </a:lvl2pPr>
+    <a:lvl3pPr marL="914400" algn="l" defTabSz="914400" rtl="0" eaLnBrk="1" latinLnBrk="0" hangingPunct="1">
+      <a:defRPr sz="1200" kern="1200">
+        <a:solidFill>
+          <a:schemeClr val="tx1"/>
+        </a:solidFill>
+        <a:latin typeface="+mn-lt"/>
+        <a:ea typeface="+mn-ea"/>
+        <a:cs typeface="+mn-cs"/>
+      </a:defRPr>
+    </a:lvl3pPr>
+    <a:lvl4pPr marL="1371600" algn="l" defTabSz="914400" rtl="0" eaLnBrk="1" latinLnBrk="0" hangingPunct="1">
+      <a:defRPr sz="1200" kern="1200">
+        <a:solidFill>
+          <a:schemeClr val="tx1"/>
+        </a:solidFill>
+        <a:latin typeface="+mn-lt"/>
+        <a:ea typeface="+mn-ea"/>
+        <a:cs typeface="+mn-cs"/>
+      </a:defRPr>
+    </a:lvl4pPr>
+    <a:lvl5pPr marL="1828800" algn="l" defTabSz="914400" rtl="0" eaLnBrk="1" latinLnBrk="0" hangingPunct="1">
+      <a:defRPr sz="1200" kern="1200">
+        <a:solidFill>
+          <a:schemeClr val="tx1"/>
+        </a:solidFill>
+        <a:latin typeface="+mn-lt"/>
+        <a:ea typeface="+mn-ea"/>
+        <a:cs typeface="+mn-cs"/>
+      </a:defRPr>
+    </a:lvl5pPr>
+    <a:lvl6pPr marL="2286000" algn="l" defTabSz="914400" rtl="0" eaLnBrk="1" latinLnBrk="0" hangingPunct="1">
+      <a:defRPr sz="1200" kern="1200">
+        <a:solidFill>
+          <a:schemeClr val="tx1"/>
+        </a:solidFill>
+        <a:latin typeface="+mn-lt"/>
+        <a:ea typeface="+mn-ea"/>
+        <a:cs typeface="+mn-cs"/>
+      </a:defRPr>
+    </a:lvl6pPr>
+    <a:lvl7pPr marL="2743200" algn="l" defTabSz="914400" rtl="0" eaLnBrk="1" latinLnBrk="0" hangingPunct="1">
+      <a:defRPr sz="1200" kern="1200">
+        <a:solidFill>
+          <a:schemeClr val="tx1"/>
+        </a:solidFill>
+        <a:latin typeface="+mn-lt"/>
+        <a:ea typeface="+mn-ea"/>
+        <a:cs typeface="+mn-cs"/>
+      </a:defRPr>
+    </a:lvl7pPr>
+    <a:lvl8pPr marL="3200400" algn="l" defTabSz="914400" rtl="0" eaLnBrk="1" latinLnBrk="0" hangingPunct="1">
+      <a:defRPr sz="1200" kern="1200">
+        <a:solidFill>
+          <a:schemeClr val="tx1"/>
+        </a:solidFill>
+        <a:latin typeface="+mn-lt"/>
+        <a:ea typeface="+mn-ea"/>
+        <a:cs typeface="+mn-cs"/>
+      </a:defRPr>
+    </a:lvl8pPr>
+    <a:lvl9pPr marL="3657600" algn="l" defTabSz="914400" rtl="0" eaLnBrk="1" latinLnBrk="0" hangingPunct="1">
+      <a:defRPr sz="1200" kern="1200">
+        <a:solidFill>
+          <a:schemeClr val="tx1"/>
+        </a:solidFill>
+        <a:latin typeface="+mn-lt"/>
+        <a:ea typeface="+mn-ea"/>
+        <a:cs typeface="+mn-cs"/>
+      </a:defRPr>
+    </a:lvl9pPr>
+  </p:notesStyle>
+</p:notesMaster>
+</file>
+
+<file path=ppt/notesSlides/notesSlide1.xml><?xml version="1.0" encoding="utf-8"?>
+<p:notes xmlns:a="http://schemas.openxmlformats.org/drawingml/2006/main" xmlns:r="http://schemas.openxmlformats.org/officeDocument/2006/relationships" xmlns:p="http://schemas.openxmlformats.org/presentationml/2006/main">
+  <p:cSld>
+    <p:spTree>
+      <p:nvGrpSpPr>
+        <p:cNvPr id="1" name=""/>
+        <p:cNvGrpSpPr/>
+        <p:nvPr/>
+      </p:nvGrpSpPr>
+      <p:grpSpPr>
+        <a:xfrm>
+          <a:off x="0" y="0"/>
+          <a:ext cx="0" cy="0"/>
+          <a:chOff x="0" y="0"/>
+          <a:chExt cx="0" cy="0"/>
+        </a:xfrm>
+      </p:grpSpPr>
+      <p:sp>
+        <p:nvSpPr>
+          <p:cNvPr id="2" name="Slide Image Placeholder 1"/>
+          <p:cNvSpPr>
+            <a:spLocks noGrp="1" noRot="1" noChangeAspect="1"/>
+          </p:cNvSpPr>
+          <p:nvPr>
+            <p:ph type="sldImg"/>
+          </p:nvPr>
+        </p:nvSpPr>
+        <p:spPr/>
+      </p:sp>
+      <p:sp>
+        <p:nvSpPr>
+          <p:cNvPr id="3" name="Notes Placeholder 2"/>
+          <p:cNvSpPr>
+            <a:spLocks noGrp="1"/>
+          </p:cNvSpPr>
+          <p:nvPr>
+            <p:ph type="body" idx="1"/>
+          </p:nvPr>
+        </p:nvSpPr>
+        <p:spPr/>
+        <p:txBody>
+          <a:bodyPr/>
+          <a:lstStyle/>
+          <a:p>
+            <a:endParaRPr lang="en-GB" dirty="0"/>
+          </a:p>
+        </p:txBody>
+      </p:sp>
+      <p:sp>
+        <p:nvSpPr>
+          <p:cNvPr id="4" name="Slide Number Placeholder 3"/>
+          <p:cNvSpPr>
+            <a:spLocks noGrp="1"/>
+          </p:cNvSpPr>
+          <p:nvPr>
+            <p:ph type="sldNum" sz="quarter" idx="10"/>
+          </p:nvPr>
+        </p:nvSpPr>
+        <p:spPr/>
+        <p:txBody>
+          <a:bodyPr/>
+          <a:lstStyle/>
+          <a:p>
+            <a:fld id="{C1A91B47-A871-47CE-B132-CE6DB950A5CC}" type="slidenum">
+              <a:rPr lang="en-GB" smtClean="0"/>
+              <a:t>1</a:t>
+            </a:fld>
+            <a:endParaRPr lang="en-GB"/>
+          </a:p>
+        </p:txBody>
+      </p:sp>
+    </p:spTree>
+    <p:extLst>
+      <p:ext uri="{BB962C8B-B14F-4D97-AF65-F5344CB8AC3E}">
+        <p14:creationId xmlns:p14="http://schemas.microsoft.com/office/powerpoint/2010/main" val="344224512"/>
+      </p:ext>
+    </p:extLst>
+  </p:cSld>
+  <p:clrMapOvr>
+    <a:masterClrMapping/>
+  </p:clrMapOvr>
+</p:notes>
+</file>
+
 <file path=ppt/slideLayouts/slideLayout1.xml><?xml version="1.0" encoding="utf-8"?>
 <p:sldLayout xmlns:a="http://schemas.openxmlformats.org/drawingml/2006/main" xmlns:r="http://schemas.openxmlformats.org/officeDocument/2006/relationships" xmlns:p="http://schemas.openxmlformats.org/presentationml/2006/main" type="title" preserve="1">
   <p:cSld name="Title Slide">
@@ -136,8 +573,8 @@
         </p:nvSpPr>
         <p:spPr>
           <a:xfrm>
-            <a:off x="810111" y="3858935"/>
-            <a:ext cx="9181149" cy="2662719"/>
+            <a:off x="810112" y="4138554"/>
+            <a:ext cx="9181149" cy="2855660"/>
           </a:xfrm>
         </p:spPr>
         <p:txBody>
@@ -164,8 +601,8 @@
         </p:nvSpPr>
         <p:spPr>
           <a:xfrm>
-            <a:off x="1620213" y="7039244"/>
-            <a:ext cx="7560945" cy="3174559"/>
+            <a:off x="1620214" y="7549308"/>
+            <a:ext cx="7560945" cy="3404588"/>
           </a:xfrm>
         </p:spPr>
         <p:txBody>
@@ -288,7 +725,7 @@
           <a:p>
             <a:fld id="{4D792E19-0BEC-4B8D-B7D3-C8ECEB03A1A5}" type="datetimeFigureOut">
               <a:rPr lang="en-GB" smtClean="0"/>
-              <a:t>05/06/2014</a:t>
+              <a:t>10/09/2014</a:t>
             </a:fld>
             <a:endParaRPr lang="en-GB"/>
           </a:p>
@@ -458,7 +895,7 @@
           <a:p>
             <a:fld id="{4D792E19-0BEC-4B8D-B7D3-C8ECEB03A1A5}" type="datetimeFigureOut">
               <a:rPr lang="en-GB" smtClean="0"/>
-              <a:t>05/06/2014</a:t>
+              <a:t>10/09/2014</a:t>
             </a:fld>
             <a:endParaRPr lang="en-GB"/>
           </a:p>
@@ -548,8 +985,8 @@
         </p:nvSpPr>
         <p:spPr>
           <a:xfrm>
-            <a:off x="7830987" y="497468"/>
-            <a:ext cx="2430303" cy="10599117"/>
+            <a:off x="7830988" y="533515"/>
+            <a:ext cx="2430303" cy="11367129"/>
           </a:xfrm>
         </p:spPr>
         <p:txBody>
@@ -576,8 +1013,8 @@
         </p:nvSpPr>
         <p:spPr>
           <a:xfrm>
-            <a:off x="540069" y="497468"/>
-            <a:ext cx="7110888" cy="10599117"/>
+            <a:off x="540069" y="533515"/>
+            <a:ext cx="7110888" cy="11367129"/>
           </a:xfrm>
         </p:spPr>
         <p:txBody>
@@ -638,7 +1075,7 @@
           <a:p>
             <a:fld id="{4D792E19-0BEC-4B8D-B7D3-C8ECEB03A1A5}" type="datetimeFigureOut">
               <a:rPr lang="en-GB" smtClean="0"/>
-              <a:t>05/06/2014</a:t>
+              <a:t>10/09/2014</a:t>
             </a:fld>
             <a:endParaRPr lang="en-GB"/>
           </a:p>
@@ -808,7 +1245,7 @@
           <a:p>
             <a:fld id="{4D792E19-0BEC-4B8D-B7D3-C8ECEB03A1A5}" type="datetimeFigureOut">
               <a:rPr lang="en-GB" smtClean="0"/>
-              <a:t>05/06/2014</a:t>
+              <a:t>10/09/2014</a:t>
             </a:fld>
             <a:endParaRPr lang="en-GB"/>
           </a:p>
@@ -898,8 +1335,8 @@
         </p:nvSpPr>
         <p:spPr>
           <a:xfrm>
-            <a:off x="853239" y="7982410"/>
-            <a:ext cx="9181149" cy="2467184"/>
+            <a:off x="853240" y="8560816"/>
+            <a:ext cx="9181149" cy="2645956"/>
           </a:xfrm>
         </p:spPr>
         <p:txBody>
@@ -930,8 +1367,8 @@
         </p:nvSpPr>
         <p:spPr>
           <a:xfrm>
-            <a:off x="853239" y="5265059"/>
-            <a:ext cx="9181149" cy="2717354"/>
+            <a:off x="853240" y="5646565"/>
+            <a:ext cx="9181149" cy="2914254"/>
           </a:xfrm>
         </p:spPr>
         <p:txBody>
@@ -1054,7 +1491,7 @@
           <a:p>
             <a:fld id="{4D792E19-0BEC-4B8D-B7D3-C8ECEB03A1A5}" type="datetimeFigureOut">
               <a:rPr lang="en-GB" smtClean="0"/>
-              <a:t>05/06/2014</a:t>
+              <a:t>10/09/2014</a:t>
             </a:fld>
             <a:endParaRPr lang="en-GB"/>
           </a:p>
@@ -1167,8 +1604,8 @@
         </p:nvSpPr>
         <p:spPr>
           <a:xfrm>
-            <a:off x="540075" y="2898514"/>
-            <a:ext cx="4770597" cy="8198071"/>
+            <a:off x="540076" y="3108541"/>
+            <a:ext cx="4770597" cy="8792103"/>
           </a:xfrm>
         </p:spPr>
         <p:txBody>
@@ -1252,8 +1689,8 @@
         </p:nvSpPr>
         <p:spPr>
           <a:xfrm>
-            <a:off x="5490695" y="2898514"/>
-            <a:ext cx="4770597" cy="8198071"/>
+            <a:off x="5490695" y="3108541"/>
+            <a:ext cx="4770597" cy="8792103"/>
           </a:xfrm>
         </p:spPr>
         <p:txBody>
@@ -1342,7 +1779,7 @@
           <a:p>
             <a:fld id="{4D792E19-0BEC-4B8D-B7D3-C8ECEB03A1A5}" type="datetimeFigureOut">
               <a:rPr lang="en-GB" smtClean="0"/>
-              <a:t>05/06/2014</a:t>
+              <a:t>10/09/2014</a:t>
             </a:fld>
             <a:endParaRPr lang="en-GB"/>
           </a:p>
@@ -1459,8 +1896,8 @@
         </p:nvSpPr>
         <p:spPr>
           <a:xfrm>
-            <a:off x="540072" y="2780620"/>
-            <a:ext cx="4772472" cy="1158829"/>
+            <a:off x="540072" y="2982104"/>
+            <a:ext cx="4772472" cy="1242798"/>
           </a:xfrm>
         </p:spPr>
         <p:txBody>
@@ -1524,8 +1961,8 @@
         </p:nvSpPr>
         <p:spPr>
           <a:xfrm>
-            <a:off x="540072" y="3939446"/>
-            <a:ext cx="4772472" cy="7157138"/>
+            <a:off x="540072" y="4224899"/>
+            <a:ext cx="4772472" cy="7675744"/>
           </a:xfrm>
         </p:spPr>
         <p:txBody>
@@ -1609,8 +2046,8 @@
         </p:nvSpPr>
         <p:spPr>
           <a:xfrm>
-            <a:off x="5486946" y="2780620"/>
-            <a:ext cx="4774347" cy="1158829"/>
+            <a:off x="5486947" y="2982104"/>
+            <a:ext cx="4774347" cy="1242798"/>
           </a:xfrm>
         </p:spPr>
         <p:txBody>
@@ -1674,8 +2111,8 @@
         </p:nvSpPr>
         <p:spPr>
           <a:xfrm>
-            <a:off x="5486946" y="3939446"/>
-            <a:ext cx="4774347" cy="7157138"/>
+            <a:off x="5486947" y="4224899"/>
+            <a:ext cx="4774347" cy="7675744"/>
           </a:xfrm>
         </p:spPr>
         <p:txBody>
@@ -1764,7 +2201,7 @@
           <a:p>
             <a:fld id="{4D792E19-0BEC-4B8D-B7D3-C8ECEB03A1A5}" type="datetimeFigureOut">
               <a:rPr lang="en-GB" smtClean="0"/>
-              <a:t>05/06/2014</a:t>
+              <a:t>10/09/2014</a:t>
             </a:fld>
             <a:endParaRPr lang="en-GB"/>
           </a:p>
@@ -1882,7 +2319,7 @@
           <a:p>
             <a:fld id="{4D792E19-0BEC-4B8D-B7D3-C8ECEB03A1A5}" type="datetimeFigureOut">
               <a:rPr lang="en-GB" smtClean="0"/>
-              <a:t>05/06/2014</a:t>
+              <a:t>10/09/2014</a:t>
             </a:fld>
             <a:endParaRPr lang="en-GB"/>
           </a:p>
@@ -1977,7 +2414,7 @@
           <a:p>
             <a:fld id="{4D792E19-0BEC-4B8D-B7D3-C8ECEB03A1A5}" type="datetimeFigureOut">
               <a:rPr lang="en-GB" smtClean="0"/>
-              <a:t>05/06/2014</a:t>
+              <a:t>10/09/2014</a:t>
             </a:fld>
             <a:endParaRPr lang="en-GB"/>
           </a:p>
@@ -2067,8 +2504,8 @@
         </p:nvSpPr>
         <p:spPr>
           <a:xfrm>
-            <a:off x="540081" y="494593"/>
-            <a:ext cx="3553569" cy="2104872"/>
+            <a:off x="540082" y="530431"/>
+            <a:ext cx="3553569" cy="2257391"/>
           </a:xfrm>
         </p:spPr>
         <p:txBody>
@@ -2099,8 +2536,8 @@
         </p:nvSpPr>
         <p:spPr>
           <a:xfrm>
-            <a:off x="4223031" y="494594"/>
-            <a:ext cx="6038256" cy="10601994"/>
+            <a:off x="4223031" y="530432"/>
+            <a:ext cx="6038256" cy="11370215"/>
           </a:xfrm>
         </p:spPr>
         <p:txBody>
@@ -2184,8 +2621,8 @@
         </p:nvSpPr>
         <p:spPr>
           <a:xfrm>
-            <a:off x="540081" y="2599458"/>
-            <a:ext cx="3553569" cy="8497122"/>
+            <a:off x="540082" y="2787815"/>
+            <a:ext cx="3553569" cy="9112824"/>
           </a:xfrm>
         </p:spPr>
         <p:txBody>
@@ -2254,7 +2691,7 @@
           <a:p>
             <a:fld id="{4D792E19-0BEC-4B8D-B7D3-C8ECEB03A1A5}" type="datetimeFigureOut">
               <a:rPr lang="en-GB" smtClean="0"/>
-              <a:t>05/06/2014</a:t>
+              <a:t>10/09/2014</a:t>
             </a:fld>
             <a:endParaRPr lang="en-GB"/>
           </a:p>
@@ -2344,8 +2781,8 @@
         </p:nvSpPr>
         <p:spPr>
           <a:xfrm>
-            <a:off x="2117142" y="8695535"/>
-            <a:ext cx="6480810" cy="1026556"/>
+            <a:off x="2117142" y="9325614"/>
+            <a:ext cx="6480810" cy="1100940"/>
           </a:xfrm>
         </p:spPr>
         <p:txBody>
@@ -2376,8 +2813,8 @@
         </p:nvSpPr>
         <p:spPr>
           <a:xfrm>
-            <a:off x="2117142" y="1109950"/>
-            <a:ext cx="6480810" cy="7453313"/>
+            <a:off x="2117142" y="1190378"/>
+            <a:ext cx="6480810" cy="7993380"/>
           </a:xfrm>
         </p:spPr>
         <p:txBody>
@@ -2437,8 +2874,8 @@
         </p:nvSpPr>
         <p:spPr>
           <a:xfrm>
-            <a:off x="2117142" y="9722090"/>
-            <a:ext cx="6480810" cy="1457882"/>
+            <a:off x="2117142" y="10426553"/>
+            <a:ext cx="6480810" cy="1563520"/>
           </a:xfrm>
         </p:spPr>
         <p:txBody>
@@ -2507,7 +2944,7 @@
           <a:p>
             <a:fld id="{4D792E19-0BEC-4B8D-B7D3-C8ECEB03A1A5}" type="datetimeFigureOut">
               <a:rPr lang="en-GB" smtClean="0"/>
-              <a:t>05/06/2014</a:t>
+              <a:t>10/09/2014</a:t>
             </a:fld>
             <a:endParaRPr lang="en-GB"/>
           </a:p>
@@ -2602,8 +3039,8 @@
         </p:nvSpPr>
         <p:spPr>
           <a:xfrm>
-            <a:off x="540078" y="497468"/>
-            <a:ext cx="9721215" cy="2070366"/>
+            <a:off x="540079" y="533514"/>
+            <a:ext cx="9721215" cy="2220385"/>
           </a:xfrm>
           <a:prstGeom prst="rect">
             <a:avLst/>
@@ -2635,8 +3072,8 @@
         </p:nvSpPr>
         <p:spPr>
           <a:xfrm>
-            <a:off x="540078" y="2898514"/>
-            <a:ext cx="9721215" cy="8198071"/>
+            <a:off x="540079" y="3108541"/>
+            <a:ext cx="9721215" cy="8792103"/>
           </a:xfrm>
           <a:prstGeom prst="rect">
             <a:avLst/>
@@ -2697,8 +3134,8 @@
         </p:nvSpPr>
         <p:spPr>
           <a:xfrm>
-            <a:off x="540078" y="11513532"/>
-            <a:ext cx="2520315" cy="661367"/>
+            <a:off x="540079" y="12347803"/>
+            <a:ext cx="2520315" cy="709290"/>
           </a:xfrm>
           <a:prstGeom prst="rect">
             <a:avLst/>
@@ -2720,7 +3157,7 @@
           <a:p>
             <a:fld id="{4D792E19-0BEC-4B8D-B7D3-C8ECEB03A1A5}" type="datetimeFigureOut">
               <a:rPr lang="en-GB" smtClean="0"/>
-              <a:t>05/06/2014</a:t>
+              <a:t>10/09/2014</a:t>
             </a:fld>
             <a:endParaRPr lang="en-GB"/>
           </a:p>
@@ -2738,8 +3175,8 @@
         </p:nvSpPr>
         <p:spPr>
           <a:xfrm>
-            <a:off x="3690471" y="11513532"/>
-            <a:ext cx="3420429" cy="661367"/>
+            <a:off x="3690472" y="12347803"/>
+            <a:ext cx="3420429" cy="709290"/>
           </a:xfrm>
           <a:prstGeom prst="rect">
             <a:avLst/>
@@ -2775,8 +3212,8 @@
         </p:nvSpPr>
         <p:spPr>
           <a:xfrm>
-            <a:off x="7740978" y="11513532"/>
-            <a:ext cx="2520315" cy="661367"/>
+            <a:off x="7740979" y="12347803"/>
+            <a:ext cx="2520315" cy="709290"/>
           </a:xfrm>
           <a:prstGeom prst="rect">
             <a:avLst/>
@@ -3097,14 +3534,14 @@
       </p:grpSpPr>
       <p:pic>
         <p:nvPicPr>
-          <p:cNvPr id="1026" name="Picture 2" descr="C:\Users\Wendy\Documents\wwn20\Thesis\Chapter7\Figures\Fig6\Spec_TM.png"/>
+          <p:cNvPr id="86" name="Picture 2" descr="C:\Users\Wendy\Documents\wwn20\Thesis\Chapter7\Figures\Fig6\Spec_TM.png"/>
           <p:cNvPicPr>
             <a:picLocks noChangeAspect="1" noChangeArrowheads="1"/>
           </p:cNvPicPr>
           <p:nvPr/>
         </p:nvPicPr>
         <p:blipFill>
-          <a:blip r:embed="rId2">
+          <a:blip r:embed="rId3">
             <a:extLst>
               <a:ext uri="{28A0092B-C50C-407E-A947-70E740481C1C}">
                 <a14:useLocalDpi xmlns:a14="http://schemas.microsoft.com/office/drawing/2010/main" val="0"/>
@@ -3118,8 +3555,8 @@
         </p:blipFill>
         <p:spPr bwMode="auto">
           <a:xfrm>
-            <a:off x="1435522" y="4783951"/>
-            <a:ext cx="3600000" cy="2444252"/>
+            <a:off x="1435522" y="4396547"/>
+            <a:ext cx="4680000" cy="3177528"/>
           </a:xfrm>
           <a:prstGeom prst="rect">
             <a:avLst/>
@@ -3138,27 +3575,27 @@
       </p:pic>
       <p:pic>
         <p:nvPicPr>
-          <p:cNvPr id="156" name="Picture 30" descr="C:\Users\Wendy\Documents\wwn20\Thesis\Chapter7\Figures\Fig6\AFM.png"/>
+          <p:cNvPr id="87" name="Picture 30" descr="C:\Users\Wendy\Documents\wwn20\Thesis\Chapter7\Figures\Fig6\AFM.png"/>
           <p:cNvPicPr>
             <a:picLocks noChangeAspect="1" noChangeArrowheads="1"/>
           </p:cNvPicPr>
           <p:nvPr/>
         </p:nvPicPr>
         <p:blipFill rotWithShape="1">
-          <a:blip r:embed="rId3">
+          <a:blip r:embed="rId4">
             <a:extLst>
               <a:ext uri="{28A0092B-C50C-407E-A947-70E740481C1C}">
                 <a14:useLocalDpi xmlns:a14="http://schemas.microsoft.com/office/drawing/2010/main" val="0"/>
               </a:ext>
             </a:extLst>
           </a:blip>
-          <a:srcRect l="24695" t="9010" r="20160" b="18736"/>
+          <a:srcRect l="24695" t="19313" r="20160" b="18735"/>
           <a:stretch/>
         </p:blipFill>
         <p:spPr bwMode="auto">
           <a:xfrm>
-            <a:off x="945748" y="43975"/>
-            <a:ext cx="3302799" cy="1998581"/>
+            <a:off x="945748" y="13726"/>
+            <a:ext cx="3302799" cy="1713615"/>
           </a:xfrm>
           <a:prstGeom prst="rect">
             <a:avLst/>
@@ -3177,13 +3614,13 @@
       </p:pic>
       <p:sp>
         <p:nvSpPr>
-          <p:cNvPr id="157" name="Rectangle 156"/>
+          <p:cNvPr id="88" name="Rectangle 87"/>
           <p:cNvSpPr/>
           <p:nvPr/>
         </p:nvSpPr>
         <p:spPr>
           <a:xfrm>
-            <a:off x="6137992" y="396131"/>
+            <a:off x="6137992" y="80916"/>
             <a:ext cx="2966423" cy="860573"/>
           </a:xfrm>
           <a:prstGeom prst="rect">
@@ -3317,14 +3754,14 @@
       </p:sp>
       <p:pic>
         <p:nvPicPr>
-          <p:cNvPr id="158" name="Picture 29" descr="C:\Users\Wendy\Documents\wwn20\Thesis\Chapter7\Figures\Fig6\Scale.png"/>
+          <p:cNvPr id="89" name="Picture 29" descr="C:\Users\Wendy\Documents\wwn20\Thesis\Chapter7\Figures\Fig6\Scale.png"/>
           <p:cNvPicPr>
             <a:picLocks noChangeAspect="1" noChangeArrowheads="1"/>
           </p:cNvPicPr>
           <p:nvPr/>
         </p:nvPicPr>
         <p:blipFill rotWithShape="1">
-          <a:blip r:embed="rId4">
+          <a:blip r:embed="rId5">
             <a:extLst>
               <a:ext uri="{28A0092B-C50C-407E-A947-70E740481C1C}">
                 <a14:useLocalDpi xmlns:a14="http://schemas.microsoft.com/office/drawing/2010/main" val="0"/>
@@ -3336,8 +3773,8 @@
         </p:blipFill>
         <p:spPr bwMode="auto">
           <a:xfrm>
-            <a:off x="8869258" y="11697857"/>
-            <a:ext cx="1901764" cy="604619"/>
+            <a:off x="7863533" y="12366960"/>
+            <a:ext cx="2880000" cy="915625"/>
           </a:xfrm>
           <a:prstGeom prst="rect">
             <a:avLst/>
@@ -3356,14 +3793,14 @@
       </p:pic>
       <p:pic>
         <p:nvPicPr>
-          <p:cNvPr id="159" name="Picture 28" descr="C:\Users\Wendy\Documents\wwn20\Thesis\Chapter7\Figures\Fig6\Spec_TE.png"/>
+          <p:cNvPr id="90" name="Picture 28" descr="C:\Users\Wendy\Documents\wwn20\Thesis\Chapter7\Figures\Fig6\Spec_TE.png"/>
           <p:cNvPicPr>
             <a:picLocks noChangeAspect="1" noChangeArrowheads="1"/>
           </p:cNvPicPr>
           <p:nvPr/>
         </p:nvPicPr>
         <p:blipFill>
-          <a:blip r:embed="rId5">
+          <a:blip r:embed="rId6">
             <a:extLst>
               <a:ext uri="{28A0092B-C50C-407E-A947-70E740481C1C}">
                 <a14:useLocalDpi xmlns:a14="http://schemas.microsoft.com/office/drawing/2010/main" val="0"/>
@@ -3377,8 +3814,8 @@
         </p:blipFill>
         <p:spPr bwMode="auto">
           <a:xfrm>
-            <a:off x="1363298" y="9897150"/>
-            <a:ext cx="3600000" cy="2444252"/>
+            <a:off x="1363298" y="10105057"/>
+            <a:ext cx="4680000" cy="3177528"/>
           </a:xfrm>
           <a:prstGeom prst="rect">
             <a:avLst/>
@@ -3397,14 +3834,14 @@
       </p:pic>
       <p:pic>
         <p:nvPicPr>
-          <p:cNvPr id="161" name="Picture 25" descr="C:\Users\Wendy\Documents\wwn20\Thesis\Chapter7\Figures\Fig6\CHPI_ETFE_90_TE.png"/>
+          <p:cNvPr id="91" name="Picture 25" descr="C:\Users\Wendy\Documents\wwn20\Thesis\Chapter7\Figures\Fig6\CHPI_ETFE_90_TE.png"/>
           <p:cNvPicPr>
             <a:picLocks noChangeAspect="1" noChangeArrowheads="1"/>
           </p:cNvPicPr>
           <p:nvPr/>
         </p:nvPicPr>
         <p:blipFill rotWithShape="1">
-          <a:blip r:embed="rId6">
+          <a:blip r:embed="rId7">
             <a:extLst>
               <a:ext uri="{28A0092B-C50C-407E-A947-70E740481C1C}">
                 <a14:useLocalDpi xmlns:a14="http://schemas.microsoft.com/office/drawing/2010/main" val="0"/>
@@ -3416,7 +3853,7 @@
         </p:blipFill>
         <p:spPr bwMode="auto">
           <a:xfrm>
-            <a:off x="8453283" y="7623556"/>
+            <a:off x="8453283" y="7807400"/>
             <a:ext cx="2233547" cy="2191806"/>
           </a:xfrm>
           <a:prstGeom prst="rect">
@@ -3436,14 +3873,14 @@
       </p:pic>
       <p:pic>
         <p:nvPicPr>
-          <p:cNvPr id="162" name="Picture 24" descr="C:\Users\Wendy\Documents\wwn20\Thesis\Chapter7\Figures\Fig6\CHPI_ETFE_60_TE.png"/>
+          <p:cNvPr id="92" name="Picture 24" descr="C:\Users\Wendy\Documents\wwn20\Thesis\Chapter7\Figures\Fig6\CHPI_ETFE_60_TE.png"/>
           <p:cNvPicPr>
             <a:picLocks noChangeAspect="1" noChangeArrowheads="1"/>
           </p:cNvPicPr>
           <p:nvPr/>
         </p:nvPicPr>
         <p:blipFill rotWithShape="1">
-          <a:blip r:embed="rId7">
+          <a:blip r:embed="rId8">
             <a:extLst>
               <a:ext uri="{28A0092B-C50C-407E-A947-70E740481C1C}">
                 <a14:useLocalDpi xmlns:a14="http://schemas.microsoft.com/office/drawing/2010/main" val="0"/>
@@ -3455,7 +3892,7 @@
         </p:blipFill>
         <p:spPr bwMode="auto">
           <a:xfrm>
-            <a:off x="6442886" y="7623556"/>
+            <a:off x="6442886" y="7807400"/>
             <a:ext cx="2254256" cy="2191807"/>
           </a:xfrm>
           <a:prstGeom prst="rect">
@@ -3475,14 +3912,14 @@
       </p:pic>
       <p:pic>
         <p:nvPicPr>
-          <p:cNvPr id="163" name="Picture 23" descr="C:\Users\Wendy\Documents\wwn20\Thesis\Chapter7\Figures\Fig6\CHPI_ETFE_40_TE.png"/>
+          <p:cNvPr id="93" name="Picture 23" descr="C:\Users\Wendy\Documents\wwn20\Thesis\Chapter7\Figures\Fig6\CHPI_ETFE_40_TE.png"/>
           <p:cNvPicPr>
             <a:picLocks noChangeAspect="1" noChangeArrowheads="1"/>
           </p:cNvPicPr>
           <p:nvPr/>
         </p:nvPicPr>
         <p:blipFill rotWithShape="1">
-          <a:blip r:embed="rId8">
+          <a:blip r:embed="rId9">
             <a:extLst>
               <a:ext uri="{28A0092B-C50C-407E-A947-70E740481C1C}">
                 <a14:useLocalDpi xmlns:a14="http://schemas.microsoft.com/office/drawing/2010/main" val="0"/>
@@ -3494,7 +3931,7 @@
         </p:blipFill>
         <p:spPr bwMode="auto">
           <a:xfrm>
-            <a:off x="4436739" y="7639458"/>
+            <a:off x="4436739" y="7823302"/>
             <a:ext cx="2259170" cy="2191808"/>
           </a:xfrm>
           <a:prstGeom prst="rect">
@@ -3514,14 +3951,14 @@
       </p:pic>
       <p:pic>
         <p:nvPicPr>
-          <p:cNvPr id="164" name="Picture 22" descr="C:\Users\Wendy\Documents\wwn20\Thesis\Chapter7\Figures\Fig6\CHPI_ETFE_20_TE.png"/>
+          <p:cNvPr id="94" name="Picture 22" descr="C:\Users\Wendy\Documents\wwn20\Thesis\Chapter7\Figures\Fig6\CHPI_ETFE_20_TE.png"/>
           <p:cNvPicPr>
             <a:picLocks noChangeAspect="1" noChangeArrowheads="1"/>
           </p:cNvPicPr>
           <p:nvPr/>
         </p:nvPicPr>
         <p:blipFill rotWithShape="1">
-          <a:blip r:embed="rId9">
+          <a:blip r:embed="rId10">
             <a:extLst>
               <a:ext uri="{28A0092B-C50C-407E-A947-70E740481C1C}">
                 <a14:useLocalDpi xmlns:a14="http://schemas.microsoft.com/office/drawing/2010/main" val="0"/>
@@ -3533,7 +3970,7 @@
         </p:blipFill>
         <p:spPr bwMode="auto">
           <a:xfrm>
-            <a:off x="2453400" y="7647409"/>
+            <a:off x="2453400" y="7831253"/>
             <a:ext cx="2238800" cy="2160138"/>
           </a:xfrm>
           <a:prstGeom prst="rect">
@@ -3553,14 +3990,14 @@
       </p:pic>
       <p:pic>
         <p:nvPicPr>
-          <p:cNvPr id="165" name="Picture 21" descr="C:\Users\Wendy\Documents\wwn20\Thesis\Chapter7\Figures\Fig6\CHPI_ETFE_0_TE.png"/>
+          <p:cNvPr id="95" name="Picture 21" descr="C:\Users\Wendy\Documents\wwn20\Thesis\Chapter7\Figures\Fig6\CHPI_ETFE_0_TE.png"/>
           <p:cNvPicPr>
             <a:picLocks noChangeAspect="1" noChangeArrowheads="1"/>
           </p:cNvPicPr>
           <p:nvPr/>
         </p:nvPicPr>
         <p:blipFill rotWithShape="1">
-          <a:blip r:embed="rId10">
+          <a:blip r:embed="rId11">
             <a:extLst>
               <a:ext uri="{28A0092B-C50C-407E-A947-70E740481C1C}">
                 <a14:useLocalDpi xmlns:a14="http://schemas.microsoft.com/office/drawing/2010/main" val="0"/>
@@ -3572,7 +4009,7 @@
         </p:blipFill>
         <p:spPr bwMode="auto">
           <a:xfrm>
-            <a:off x="458209" y="7639458"/>
+            <a:off x="458209" y="7823302"/>
             <a:ext cx="2230094" cy="2175905"/>
           </a:xfrm>
           <a:prstGeom prst="rect">
@@ -3592,14 +4029,14 @@
       </p:pic>
       <p:pic>
         <p:nvPicPr>
-          <p:cNvPr id="166" name="Picture 20" descr="C:\Users\Wendy\Documents\wwn20\Thesis\Chapter7\Figures\Fig6\CHPI_ETFE_90_TM.png"/>
+          <p:cNvPr id="96" name="Picture 20" descr="C:\Users\Wendy\Documents\wwn20\Thesis\Chapter7\Figures\Fig6\CHPI_ETFE_90_TM.png"/>
           <p:cNvPicPr>
             <a:picLocks noChangeAspect="1" noChangeArrowheads="1"/>
           </p:cNvPicPr>
           <p:nvPr/>
         </p:nvPicPr>
         <p:blipFill rotWithShape="1">
-          <a:blip r:embed="rId11">
+          <a:blip r:embed="rId12">
             <a:extLst>
               <a:ext uri="{28A0092B-C50C-407E-A947-70E740481C1C}">
                 <a14:useLocalDpi xmlns:a14="http://schemas.microsoft.com/office/drawing/2010/main" val="0"/>
@@ -3611,7 +4048,7 @@
         </p:blipFill>
         <p:spPr bwMode="auto">
           <a:xfrm>
-            <a:off x="8453283" y="2543547"/>
+            <a:off x="8453283" y="2156143"/>
             <a:ext cx="2233547" cy="2169694"/>
           </a:xfrm>
           <a:prstGeom prst="rect">
@@ -3631,14 +4068,14 @@
       </p:pic>
       <p:pic>
         <p:nvPicPr>
-          <p:cNvPr id="167" name="Picture 19" descr="C:\Users\Wendy\Documents\wwn20\Thesis\Chapter7\Figures\Fig6\CHPI_ETFE_60_TM.png"/>
+          <p:cNvPr id="97" name="Picture 19" descr="C:\Users\Wendy\Documents\wwn20\Thesis\Chapter7\Figures\Fig6\CHPI_ETFE_60_TM.png"/>
           <p:cNvPicPr>
             <a:picLocks noChangeAspect="1" noChangeArrowheads="1"/>
           </p:cNvPicPr>
           <p:nvPr/>
         </p:nvPicPr>
         <p:blipFill rotWithShape="1">
-          <a:blip r:embed="rId12">
+          <a:blip r:embed="rId13">
             <a:extLst>
               <a:ext uri="{28A0092B-C50C-407E-A947-70E740481C1C}">
                 <a14:useLocalDpi xmlns:a14="http://schemas.microsoft.com/office/drawing/2010/main" val="0"/>
@@ -3650,7 +4087,7 @@
         </p:blipFill>
         <p:spPr bwMode="auto">
           <a:xfrm>
-            <a:off x="6442886" y="2543546"/>
+            <a:off x="6442886" y="2156142"/>
             <a:ext cx="2254255" cy="2161744"/>
           </a:xfrm>
           <a:prstGeom prst="rect">
@@ -3670,14 +4107,14 @@
       </p:pic>
       <p:pic>
         <p:nvPicPr>
-          <p:cNvPr id="168" name="Picture 18" descr="C:\Users\Wendy\Documents\wwn20\Thesis\Chapter7\Figures\Fig6\CHPI_ETFE_40_TM.png"/>
+          <p:cNvPr id="98" name="Picture 18" descr="C:\Users\Wendy\Documents\wwn20\Thesis\Chapter7\Figures\Fig6\CHPI_ETFE_40_TM.png"/>
           <p:cNvPicPr>
             <a:picLocks noChangeAspect="1" noChangeArrowheads="1"/>
           </p:cNvPicPr>
           <p:nvPr/>
         </p:nvPicPr>
         <p:blipFill rotWithShape="1">
-          <a:blip r:embed="rId13">
+          <a:blip r:embed="rId14">
             <a:extLst>
               <a:ext uri="{28A0092B-C50C-407E-A947-70E740481C1C}">
                 <a14:useLocalDpi xmlns:a14="http://schemas.microsoft.com/office/drawing/2010/main" val="0"/>
@@ -3689,7 +4126,7 @@
         </p:blipFill>
         <p:spPr bwMode="auto">
           <a:xfrm>
-            <a:off x="4427018" y="2544673"/>
+            <a:off x="4427018" y="2157269"/>
             <a:ext cx="2276841" cy="2161744"/>
           </a:xfrm>
           <a:prstGeom prst="rect">
@@ -3709,14 +4146,14 @@
       </p:pic>
       <p:pic>
         <p:nvPicPr>
-          <p:cNvPr id="169" name="Picture 17" descr="C:\Users\Wendy\Documents\wwn20\Thesis\Chapter7\Figures\Fig6\CHPI_ETFE_20_TM.png"/>
+          <p:cNvPr id="99" name="Picture 17" descr="C:\Users\Wendy\Documents\wwn20\Thesis\Chapter7\Figures\Fig6\CHPI_ETFE_20_TM.png"/>
           <p:cNvPicPr>
             <a:picLocks noChangeAspect="1" noChangeArrowheads="1"/>
           </p:cNvPicPr>
           <p:nvPr/>
         </p:nvPicPr>
         <p:blipFill rotWithShape="1">
-          <a:blip r:embed="rId14">
+          <a:blip r:embed="rId15">
             <a:extLst>
               <a:ext uri="{28A0092B-C50C-407E-A947-70E740481C1C}">
                 <a14:useLocalDpi xmlns:a14="http://schemas.microsoft.com/office/drawing/2010/main" val="0"/>
@@ -3728,7 +4165,7 @@
         </p:blipFill>
         <p:spPr bwMode="auto">
           <a:xfrm>
-            <a:off x="2461351" y="2543546"/>
+            <a:off x="2461351" y="2156142"/>
             <a:ext cx="2238799" cy="2161744"/>
           </a:xfrm>
           <a:prstGeom prst="rect">
@@ -3748,14 +4185,14 @@
       </p:pic>
       <p:pic>
         <p:nvPicPr>
-          <p:cNvPr id="170" name="Picture 16" descr="C:\Users\Wendy\Documents\wwn20\Thesis\Chapter7\Figures\Fig6\CHPI_ETFE_0_TM.png"/>
+          <p:cNvPr id="100" name="Picture 16" descr="C:\Users\Wendy\Documents\wwn20\Thesis\Chapter7\Figures\Fig6\CHPI_ETFE_0_TM.png"/>
           <p:cNvPicPr>
             <a:picLocks noChangeAspect="1" noChangeArrowheads="1"/>
           </p:cNvPicPr>
           <p:nvPr/>
         </p:nvPicPr>
         <p:blipFill rotWithShape="1">
-          <a:blip r:embed="rId15">
+          <a:blip r:embed="rId16">
             <a:extLst>
               <a:ext uri="{28A0092B-C50C-407E-A947-70E740481C1C}">
                 <a14:useLocalDpi xmlns:a14="http://schemas.microsoft.com/office/drawing/2010/main" val="0"/>
@@ -3767,7 +4204,7 @@
         </p:blipFill>
         <p:spPr bwMode="auto">
           <a:xfrm>
-            <a:off x="466160" y="2544672"/>
+            <a:off x="466160" y="2157268"/>
             <a:ext cx="2226471" cy="2161744"/>
           </a:xfrm>
           <a:prstGeom prst="rect">
@@ -3787,13 +4224,13 @@
       </p:pic>
       <p:sp>
         <p:nvSpPr>
-          <p:cNvPr id="171" name="TextBox 170"/>
+          <p:cNvPr id="101" name="TextBox 100"/>
           <p:cNvSpPr txBox="1"/>
           <p:nvPr/>
         </p:nvSpPr>
         <p:spPr>
           <a:xfrm rot="16200000">
-            <a:off x="-853531" y="3174551"/>
+            <a:off x="-853531" y="2787147"/>
             <a:ext cx="2217242" cy="353943"/>
           </a:xfrm>
           <a:prstGeom prst="rect">
@@ -3823,13 +4260,13 @@
       </p:sp>
       <p:sp>
         <p:nvSpPr>
-          <p:cNvPr id="172" name="TextBox 171"/>
+          <p:cNvPr id="102" name="TextBox 101"/>
           <p:cNvSpPr txBox="1"/>
           <p:nvPr/>
         </p:nvSpPr>
         <p:spPr>
           <a:xfrm>
-            <a:off x="5183784" y="4629323"/>
+            <a:off x="5183784" y="4241919"/>
             <a:ext cx="972108" cy="353943"/>
           </a:xfrm>
           <a:prstGeom prst="rect">
@@ -3880,14 +4317,14 @@
       </p:sp>
       <p:sp>
         <p:nvSpPr>
-          <p:cNvPr id="173" name="TextBox 172"/>
+          <p:cNvPr id="103" name="TextBox 102"/>
           <p:cNvSpPr txBox="1"/>
           <p:nvPr/>
         </p:nvSpPr>
         <p:spPr>
           <a:xfrm>
-            <a:off x="718660" y="2136613"/>
-            <a:ext cx="1873703" cy="400110"/>
+            <a:off x="718660" y="1749209"/>
+            <a:ext cx="2854140" cy="477054"/>
           </a:xfrm>
           <a:prstGeom prst="rect">
             <a:avLst/>
@@ -3901,23 +4338,23 @@
           <a:lstStyle/>
           <a:p>
             <a:r>
-              <a:rPr lang="en-GB" sz="2000" b="1" dirty="0" smtClean="0"/>
+              <a:rPr lang="en-GB" sz="2500" b="1" dirty="0" smtClean="0"/>
               <a:t>TM polarisation</a:t>
             </a:r>
-            <a:endParaRPr lang="en-GB" sz="2000" b="1" dirty="0"/>
-          </a:p>
-        </p:txBody>
-      </p:sp>
-      <p:sp>
-        <p:nvSpPr>
-          <p:cNvPr id="174" name="TextBox 173"/>
+            <a:endParaRPr lang="en-GB" sz="2500" b="1" dirty="0"/>
+          </a:p>
+        </p:txBody>
+      </p:sp>
+      <p:sp>
+        <p:nvSpPr>
+          <p:cNvPr id="104" name="TextBox 103"/>
           <p:cNvSpPr txBox="1"/>
           <p:nvPr/>
         </p:nvSpPr>
         <p:spPr>
           <a:xfrm>
-            <a:off x="718660" y="7264161"/>
-            <a:ext cx="1873703" cy="400110"/>
+            <a:off x="718660" y="7448005"/>
+            <a:ext cx="2854140" cy="477054"/>
           </a:xfrm>
           <a:prstGeom prst="rect">
             <a:avLst/>
@@ -3931,22 +4368,22 @@
           <a:lstStyle/>
           <a:p>
             <a:r>
-              <a:rPr lang="en-GB" sz="2000" b="1" dirty="0" smtClean="0"/>
+              <a:rPr lang="en-GB" sz="2500" b="1" dirty="0" smtClean="0"/>
               <a:t>TE polarisation</a:t>
             </a:r>
-            <a:endParaRPr lang="en-GB" sz="2000" b="1" dirty="0"/>
-          </a:p>
-        </p:txBody>
-      </p:sp>
-      <p:sp>
-        <p:nvSpPr>
-          <p:cNvPr id="175" name="TextBox 174"/>
+            <a:endParaRPr lang="en-GB" sz="2500" b="1" dirty="0"/>
+          </a:p>
+        </p:txBody>
+      </p:sp>
+      <p:sp>
+        <p:nvSpPr>
+          <p:cNvPr id="105" name="TextBox 104"/>
           <p:cNvSpPr txBox="1"/>
           <p:nvPr/>
         </p:nvSpPr>
         <p:spPr>
           <a:xfrm rot="16200000">
-            <a:off x="-859566" y="8312772"/>
+            <a:off x="-859566" y="8496616"/>
             <a:ext cx="2217242" cy="353943"/>
           </a:xfrm>
           <a:prstGeom prst="rect">
@@ -3976,13 +4413,13 @@
       </p:sp>
       <p:sp>
         <p:nvSpPr>
-          <p:cNvPr id="176" name="TextBox 175"/>
+          <p:cNvPr id="106" name="TextBox 105"/>
           <p:cNvSpPr txBox="1"/>
           <p:nvPr/>
         </p:nvSpPr>
         <p:spPr>
           <a:xfrm>
-            <a:off x="5177749" y="9767544"/>
+            <a:off x="5177749" y="9951388"/>
             <a:ext cx="972108" cy="353943"/>
           </a:xfrm>
           <a:prstGeom prst="rect">
@@ -4033,13 +4470,13 @@
       </p:sp>
       <p:sp>
         <p:nvSpPr>
-          <p:cNvPr id="177" name="TextBox 176"/>
+          <p:cNvPr id="107" name="TextBox 106"/>
           <p:cNvSpPr txBox="1"/>
           <p:nvPr/>
         </p:nvSpPr>
         <p:spPr>
           <a:xfrm>
-            <a:off x="2751910" y="4090812"/>
+            <a:off x="2751910" y="3703408"/>
             <a:ext cx="1022598" cy="369332"/>
           </a:xfrm>
           <a:prstGeom prst="rect">
@@ -4071,13 +4508,13 @@
       </p:sp>
       <p:sp>
         <p:nvSpPr>
-          <p:cNvPr id="178" name="TextBox 177"/>
+          <p:cNvPr id="108" name="TextBox 107"/>
           <p:cNvSpPr txBox="1"/>
           <p:nvPr/>
         </p:nvSpPr>
         <p:spPr>
           <a:xfrm>
-            <a:off x="4747856" y="4090812"/>
+            <a:off x="4747856" y="3703408"/>
             <a:ext cx="1022598" cy="369332"/>
           </a:xfrm>
           <a:prstGeom prst="rect">
@@ -4109,13 +4546,13 @@
       </p:sp>
       <p:sp>
         <p:nvSpPr>
-          <p:cNvPr id="179" name="TextBox 178"/>
+          <p:cNvPr id="109" name="TextBox 108"/>
           <p:cNvSpPr txBox="1"/>
           <p:nvPr/>
         </p:nvSpPr>
         <p:spPr>
           <a:xfrm>
-            <a:off x="6748066" y="4090812"/>
+            <a:off x="6748066" y="3703408"/>
             <a:ext cx="1022598" cy="369332"/>
           </a:xfrm>
           <a:prstGeom prst="rect">
@@ -4147,13 +4584,13 @@
       </p:sp>
       <p:sp>
         <p:nvSpPr>
-          <p:cNvPr id="180" name="TextBox 179"/>
+          <p:cNvPr id="110" name="TextBox 109"/>
           <p:cNvSpPr txBox="1"/>
           <p:nvPr/>
         </p:nvSpPr>
         <p:spPr>
           <a:xfrm>
-            <a:off x="8781776" y="4090812"/>
+            <a:off x="8781776" y="3703408"/>
             <a:ext cx="1022598" cy="369332"/>
           </a:xfrm>
           <a:prstGeom prst="rect">
@@ -4185,13 +4622,13 @@
       </p:sp>
       <p:sp>
         <p:nvSpPr>
-          <p:cNvPr id="181" name="TextBox 180"/>
+          <p:cNvPr id="111" name="TextBox 110"/>
           <p:cNvSpPr txBox="1"/>
           <p:nvPr/>
         </p:nvSpPr>
         <p:spPr>
           <a:xfrm>
-            <a:off x="2767676" y="9228064"/>
+            <a:off x="2767676" y="9411908"/>
             <a:ext cx="1022598" cy="369332"/>
           </a:xfrm>
           <a:prstGeom prst="rect">
@@ -4223,13 +4660,13 @@
       </p:sp>
       <p:sp>
         <p:nvSpPr>
-          <p:cNvPr id="182" name="TextBox 181"/>
+          <p:cNvPr id="112" name="TextBox 111"/>
           <p:cNvSpPr txBox="1"/>
           <p:nvPr/>
         </p:nvSpPr>
         <p:spPr>
           <a:xfrm>
-            <a:off x="4763622" y="9228064"/>
+            <a:off x="4763622" y="9411908"/>
             <a:ext cx="1022598" cy="369332"/>
           </a:xfrm>
           <a:prstGeom prst="rect">
@@ -4261,13 +4698,13 @@
       </p:sp>
       <p:sp>
         <p:nvSpPr>
-          <p:cNvPr id="183" name="TextBox 182"/>
+          <p:cNvPr id="113" name="TextBox 112"/>
           <p:cNvSpPr txBox="1"/>
           <p:nvPr/>
         </p:nvSpPr>
         <p:spPr>
           <a:xfrm>
-            <a:off x="6763832" y="9228064"/>
+            <a:off x="6763832" y="9411908"/>
             <a:ext cx="1022598" cy="369332"/>
           </a:xfrm>
           <a:prstGeom prst="rect">
@@ -4299,13 +4736,13 @@
       </p:sp>
       <p:sp>
         <p:nvSpPr>
-          <p:cNvPr id="184" name="TextBox 183"/>
+          <p:cNvPr id="114" name="TextBox 113"/>
           <p:cNvSpPr txBox="1"/>
           <p:nvPr/>
         </p:nvSpPr>
         <p:spPr>
           <a:xfrm>
-            <a:off x="8797542" y="9228064"/>
+            <a:off x="8797542" y="9411908"/>
             <a:ext cx="1022598" cy="369332"/>
           </a:xfrm>
           <a:prstGeom prst="rect">
@@ -4337,13 +4774,13 @@
       </p:sp>
       <p:sp>
         <p:nvSpPr>
-          <p:cNvPr id="185" name="Freeform 184"/>
+          <p:cNvPr id="115" name="Freeform 114"/>
           <p:cNvSpPr/>
           <p:nvPr/>
         </p:nvSpPr>
         <p:spPr>
           <a:xfrm>
-            <a:off x="834327" y="4682359"/>
+            <a:off x="834327" y="4294955"/>
             <a:ext cx="446970" cy="1109679"/>
           </a:xfrm>
           <a:custGeom>
@@ -4426,13 +4863,13 @@
       </p:sp>
       <p:sp>
         <p:nvSpPr>
-          <p:cNvPr id="186" name="Freeform 185"/>
+          <p:cNvPr id="116" name="Freeform 115"/>
           <p:cNvSpPr/>
           <p:nvPr/>
         </p:nvSpPr>
         <p:spPr>
           <a:xfrm>
-            <a:off x="834327" y="9815361"/>
+            <a:off x="834327" y="9999205"/>
             <a:ext cx="446970" cy="1109679"/>
           </a:xfrm>
           <a:custGeom>
@@ -4515,13 +4952,13 @@
       </p:sp>
       <p:cxnSp>
         <p:nvCxnSpPr>
-          <p:cNvPr id="187" name="Straight Connector 186"/>
+          <p:cNvPr id="117" name="Straight Connector 116"/>
           <p:cNvCxnSpPr/>
           <p:nvPr/>
         </p:nvCxnSpPr>
         <p:spPr>
           <a:xfrm>
-            <a:off x="1059159" y="2634434"/>
+            <a:off x="1059159" y="2247030"/>
             <a:ext cx="0" cy="1872000"/>
           </a:xfrm>
           <a:prstGeom prst="line">
@@ -4551,13 +4988,13 @@
       </p:cxnSp>
       <p:sp>
         <p:nvSpPr>
-          <p:cNvPr id="188" name="TextBox 187"/>
+          <p:cNvPr id="118" name="TextBox 117"/>
           <p:cNvSpPr txBox="1"/>
           <p:nvPr/>
         </p:nvSpPr>
         <p:spPr>
           <a:xfrm>
-            <a:off x="720155" y="4090812"/>
+            <a:off x="720155" y="3703408"/>
             <a:ext cx="843475" cy="369332"/>
           </a:xfrm>
           <a:prstGeom prst="rect">
@@ -4589,13 +5026,13 @@
       </p:sp>
       <p:cxnSp>
         <p:nvCxnSpPr>
-          <p:cNvPr id="189" name="Straight Connector 188"/>
+          <p:cNvPr id="119" name="Straight Connector 118"/>
           <p:cNvCxnSpPr/>
           <p:nvPr/>
         </p:nvCxnSpPr>
         <p:spPr>
           <a:xfrm>
-            <a:off x="1686936" y="2634434"/>
+            <a:off x="1686936" y="2247030"/>
             <a:ext cx="0" cy="1872000"/>
           </a:xfrm>
           <a:prstGeom prst="line">
@@ -4625,13 +5062,13 @@
       </p:cxnSp>
       <p:cxnSp>
         <p:nvCxnSpPr>
-          <p:cNvPr id="190" name="Straight Connector 189"/>
+          <p:cNvPr id="120" name="Straight Connector 119"/>
           <p:cNvCxnSpPr/>
           <p:nvPr/>
         </p:nvCxnSpPr>
         <p:spPr>
           <a:xfrm>
-            <a:off x="2303204" y="2651912"/>
+            <a:off x="2303204" y="2264508"/>
             <a:ext cx="0" cy="1872000"/>
           </a:xfrm>
           <a:prstGeom prst="line">
@@ -4661,13 +5098,13 @@
       </p:cxnSp>
       <p:cxnSp>
         <p:nvCxnSpPr>
-          <p:cNvPr id="191" name="Straight Connector 190"/>
+          <p:cNvPr id="121" name="Straight Connector 120"/>
           <p:cNvCxnSpPr/>
           <p:nvPr/>
         </p:nvCxnSpPr>
         <p:spPr>
           <a:xfrm>
-            <a:off x="1060735" y="7736254"/>
+            <a:off x="1060735" y="7920098"/>
             <a:ext cx="0" cy="1872000"/>
           </a:xfrm>
           <a:prstGeom prst="line">
@@ -4697,13 +5134,13 @@
       </p:cxnSp>
       <p:cxnSp>
         <p:nvCxnSpPr>
-          <p:cNvPr id="192" name="Straight Connector 191"/>
+          <p:cNvPr id="122" name="Straight Connector 121"/>
           <p:cNvCxnSpPr/>
           <p:nvPr/>
         </p:nvCxnSpPr>
         <p:spPr>
           <a:xfrm>
-            <a:off x="1688512" y="7736254"/>
+            <a:off x="1688512" y="7920098"/>
             <a:ext cx="0" cy="1872000"/>
           </a:xfrm>
           <a:prstGeom prst="line">
@@ -4733,13 +5170,13 @@
       </p:cxnSp>
       <p:sp>
         <p:nvSpPr>
-          <p:cNvPr id="193" name="TextBox 192"/>
+          <p:cNvPr id="123" name="TextBox 122"/>
           <p:cNvSpPr txBox="1"/>
           <p:nvPr/>
         </p:nvSpPr>
         <p:spPr>
           <a:xfrm>
-            <a:off x="735921" y="9228064"/>
+            <a:off x="735921" y="9411908"/>
             <a:ext cx="843475" cy="369332"/>
           </a:xfrm>
           <a:prstGeom prst="rect">
@@ -4771,13 +5208,13 @@
       </p:sp>
       <p:cxnSp>
         <p:nvCxnSpPr>
-          <p:cNvPr id="194" name="Straight Connector 193"/>
+          <p:cNvPr id="124" name="Straight Connector 123"/>
           <p:cNvCxnSpPr/>
           <p:nvPr/>
         </p:nvCxnSpPr>
         <p:spPr>
           <a:xfrm>
-            <a:off x="2304570" y="7738096"/>
+            <a:off x="2304570" y="7921940"/>
             <a:ext cx="0" cy="1872000"/>
           </a:xfrm>
           <a:prstGeom prst="line">
@@ -4807,13 +5244,13 @@
       </p:cxnSp>
       <p:cxnSp>
         <p:nvCxnSpPr>
-          <p:cNvPr id="195" name="Straight Connector 194"/>
+          <p:cNvPr id="125" name="Straight Connector 124"/>
           <p:cNvCxnSpPr/>
           <p:nvPr/>
         </p:nvCxnSpPr>
         <p:spPr>
           <a:xfrm>
-            <a:off x="2988531" y="1874562"/>
+            <a:off x="2988531" y="1559347"/>
             <a:ext cx="1116000" cy="0"/>
           </a:xfrm>
           <a:prstGeom prst="line">
@@ -4842,13 +5279,13 @@
       </p:cxnSp>
       <p:sp>
         <p:nvSpPr>
-          <p:cNvPr id="196" name="TextBox 195"/>
+          <p:cNvPr id="126" name="TextBox 125"/>
           <p:cNvSpPr txBox="1"/>
           <p:nvPr/>
         </p:nvSpPr>
         <p:spPr>
           <a:xfrm>
-            <a:off x="3187053" y="1477412"/>
+            <a:off x="3187053" y="1162197"/>
             <a:ext cx="773462" cy="430887"/>
           </a:xfrm>
           <a:prstGeom prst="rect">
@@ -4880,13 +5317,13 @@
       </p:sp>
       <p:grpSp>
         <p:nvGrpSpPr>
-          <p:cNvPr id="197" name="Group 196"/>
+          <p:cNvPr id="127" name="Group 126"/>
           <p:cNvGrpSpPr/>
           <p:nvPr/>
         </p:nvGrpSpPr>
         <p:grpSpPr>
           <a:xfrm>
-            <a:off x="5923297" y="396131"/>
+            <a:off x="5923297" y="80916"/>
             <a:ext cx="4229906" cy="1217406"/>
             <a:chOff x="2043826" y="4867900"/>
             <a:chExt cx="4229906" cy="1217406"/>
@@ -4894,7 +5331,7 @@
         </p:grpSpPr>
         <p:grpSp>
           <p:nvGrpSpPr>
-            <p:cNvPr id="198" name="Group 197"/>
+            <p:cNvPr id="128" name="Group 127"/>
             <p:cNvGrpSpPr/>
             <p:nvPr/>
           </p:nvGrpSpPr>
@@ -4908,7 +5345,7 @@
           </p:grpSpPr>
           <p:sp>
             <p:nvSpPr>
-              <p:cNvPr id="205" name="Rectangle 204"/>
+              <p:cNvPr id="135" name="Rectangle 134"/>
               <p:cNvSpPr/>
               <p:nvPr/>
             </p:nvSpPr>
@@ -5054,7 +5491,7 @@
           </p:sp>
           <p:sp>
             <p:nvSpPr>
-              <p:cNvPr id="206" name="Flowchart: Manual Operation 3"/>
+              <p:cNvPr id="136" name="Flowchart: Manual Operation 3"/>
               <p:cNvSpPr/>
               <p:nvPr/>
             </p:nvSpPr>
@@ -5177,7 +5614,7 @@
           </p:sp>
           <p:sp>
             <p:nvSpPr>
-              <p:cNvPr id="207" name="Flowchart: Manual Operation 3"/>
+              <p:cNvPr id="137" name="Flowchart: Manual Operation 3"/>
               <p:cNvSpPr/>
               <p:nvPr/>
             </p:nvSpPr>
@@ -5300,7 +5737,7 @@
           </p:sp>
           <p:sp>
             <p:nvSpPr>
-              <p:cNvPr id="208" name="Flowchart: Manual Operation 3"/>
+              <p:cNvPr id="138" name="Flowchart: Manual Operation 3"/>
               <p:cNvSpPr/>
               <p:nvPr/>
             </p:nvSpPr>
@@ -5423,7 +5860,7 @@
           </p:sp>
           <p:sp>
             <p:nvSpPr>
-              <p:cNvPr id="209" name="Flowchart: Manual Operation 3"/>
+              <p:cNvPr id="139" name="Flowchart: Manual Operation 3"/>
               <p:cNvSpPr/>
               <p:nvPr/>
             </p:nvSpPr>
@@ -5546,7 +5983,7 @@
           </p:sp>
           <p:sp>
             <p:nvSpPr>
-              <p:cNvPr id="210" name="Flowchart: Manual Operation 3"/>
+              <p:cNvPr id="140" name="Flowchart: Manual Operation 3"/>
               <p:cNvSpPr/>
               <p:nvPr/>
             </p:nvSpPr>
@@ -5669,7 +6106,7 @@
           </p:sp>
           <p:sp>
             <p:nvSpPr>
-              <p:cNvPr id="211" name="Flowchart: Manual Operation 3"/>
+              <p:cNvPr id="141" name="Flowchart: Manual Operation 3"/>
               <p:cNvSpPr/>
               <p:nvPr/>
             </p:nvSpPr>
@@ -5793,7 +6230,7 @@
         </p:grpSp>
         <p:cxnSp>
           <p:nvCxnSpPr>
-            <p:cNvPr id="199" name="Straight Connector 198"/>
+            <p:cNvPr id="129" name="Straight Connector 128"/>
             <p:cNvCxnSpPr/>
             <p:nvPr/>
           </p:nvCxnSpPr>
@@ -5827,7 +6264,7 @@
         </p:cxnSp>
         <p:sp>
           <p:nvSpPr>
-            <p:cNvPr id="200" name="TextBox 199"/>
+            <p:cNvPr id="130" name="TextBox 129"/>
             <p:cNvSpPr txBox="1"/>
             <p:nvPr/>
           </p:nvSpPr>
@@ -5857,7 +6294,7 @@
         </p:sp>
         <p:cxnSp>
           <p:nvCxnSpPr>
-            <p:cNvPr id="201" name="Straight Connector 200"/>
+            <p:cNvPr id="131" name="Straight Connector 130"/>
             <p:cNvCxnSpPr/>
             <p:nvPr/>
           </p:nvCxnSpPr>
@@ -5891,7 +6328,7 @@
         </p:cxnSp>
         <p:sp>
           <p:nvSpPr>
-            <p:cNvPr id="202" name="TextBox 201"/>
+            <p:cNvPr id="132" name="TextBox 131"/>
             <p:cNvSpPr txBox="1"/>
             <p:nvPr/>
           </p:nvSpPr>
@@ -5921,7 +6358,7 @@
         </p:sp>
         <p:cxnSp>
           <p:nvCxnSpPr>
-            <p:cNvPr id="203" name="Straight Connector 202"/>
+            <p:cNvPr id="133" name="Straight Connector 132"/>
             <p:cNvCxnSpPr/>
             <p:nvPr/>
           </p:nvCxnSpPr>
@@ -5955,7 +6392,7 @@
         </p:cxnSp>
         <p:sp>
           <p:nvSpPr>
-            <p:cNvPr id="204" name="TextBox 203"/>
+            <p:cNvPr id="134" name="TextBox 133"/>
             <p:cNvSpPr txBox="1"/>
             <p:nvPr/>
           </p:nvSpPr>
@@ -5986,13 +6423,13 @@
       </p:grpSp>
       <p:cxnSp>
         <p:nvCxnSpPr>
-          <p:cNvPr id="212" name="Straight Connector 211"/>
+          <p:cNvPr id="142" name="Straight Connector 141"/>
           <p:cNvCxnSpPr/>
           <p:nvPr/>
         </p:nvCxnSpPr>
         <p:spPr>
           <a:xfrm>
-            <a:off x="7656235" y="1256704"/>
+            <a:off x="7656235" y="941489"/>
             <a:ext cx="504000" cy="0"/>
           </a:xfrm>
           <a:prstGeom prst="line">
@@ -6020,13 +6457,13 @@
       </p:cxnSp>
       <p:sp>
         <p:nvSpPr>
-          <p:cNvPr id="213" name="TextBox 212"/>
+          <p:cNvPr id="143" name="TextBox 142"/>
           <p:cNvSpPr txBox="1"/>
           <p:nvPr/>
         </p:nvSpPr>
         <p:spPr>
           <a:xfrm>
-            <a:off x="7363457" y="1220157"/>
+            <a:off x="7363457" y="904942"/>
             <a:ext cx="1332600" cy="400110"/>
           </a:xfrm>
           <a:prstGeom prst="rect">
@@ -6054,14 +6491,14 @@
       </p:sp>
       <p:pic>
         <p:nvPicPr>
-          <p:cNvPr id="214" name="Picture 31" descr="C:\Users\Wendy\Documents\wwn20\Thesis\Chapter7\Figures\Fig6\AFM_Scale.png"/>
+          <p:cNvPr id="144" name="Picture 31" descr="C:\Users\Wendy\Documents\wwn20\Thesis\Chapter7\Figures\Fig6\AFM_Scale.png"/>
           <p:cNvPicPr>
             <a:picLocks noChangeAspect="1" noChangeArrowheads="1"/>
           </p:cNvPicPr>
           <p:nvPr/>
         </p:nvPicPr>
         <p:blipFill rotWithShape="1">
-          <a:blip r:embed="rId16">
+          <a:blip r:embed="rId17">
             <a:extLst>
               <a:ext uri="{28A0092B-C50C-407E-A947-70E740481C1C}">
                 <a14:useLocalDpi xmlns:a14="http://schemas.microsoft.com/office/drawing/2010/main" val="0"/>
@@ -6073,7 +6510,7 @@
         </p:blipFill>
         <p:spPr bwMode="auto">
           <a:xfrm>
-            <a:off x="4345216" y="439158"/>
+            <a:off x="4345216" y="123943"/>
             <a:ext cx="1163782" cy="1477275"/>
           </a:xfrm>
           <a:prstGeom prst="rect">
@@ -6093,13 +6530,13 @@
       </p:pic>
       <p:sp>
         <p:nvSpPr>
-          <p:cNvPr id="215" name="TextBox 214"/>
+          <p:cNvPr id="145" name="TextBox 144"/>
           <p:cNvSpPr txBox="1"/>
           <p:nvPr/>
         </p:nvSpPr>
         <p:spPr>
           <a:xfrm>
-            <a:off x="432123" y="-53602"/>
+            <a:off x="366150" y="-35775"/>
             <a:ext cx="642037" cy="477054"/>
           </a:xfrm>
           <a:prstGeom prst="rect">
@@ -6123,13 +6560,13 @@
       </p:sp>
       <p:sp>
         <p:nvSpPr>
-          <p:cNvPr id="216" name="TextBox 215"/>
+          <p:cNvPr id="146" name="TextBox 145"/>
           <p:cNvSpPr txBox="1"/>
           <p:nvPr/>
         </p:nvSpPr>
         <p:spPr>
           <a:xfrm>
-            <a:off x="5622734" y="90414"/>
+            <a:off x="5622734" y="-35775"/>
             <a:ext cx="642037" cy="477054"/>
           </a:xfrm>
           <a:prstGeom prst="rect">
@@ -6153,13 +6590,13 @@
       </p:sp>
       <p:sp>
         <p:nvSpPr>
-          <p:cNvPr id="217" name="TextBox 216"/>
+          <p:cNvPr id="147" name="TextBox 146"/>
           <p:cNvSpPr txBox="1"/>
           <p:nvPr/>
         </p:nvSpPr>
         <p:spPr>
           <a:xfrm>
-            <a:off x="61827" y="2098141"/>
+            <a:off x="61827" y="1710737"/>
             <a:ext cx="645764" cy="477054"/>
           </a:xfrm>
           <a:prstGeom prst="rect">
@@ -6183,13 +6620,13 @@
       </p:sp>
       <p:sp>
         <p:nvSpPr>
-          <p:cNvPr id="218" name="TextBox 217"/>
+          <p:cNvPr id="148" name="TextBox 147"/>
           <p:cNvSpPr txBox="1"/>
           <p:nvPr/>
         </p:nvSpPr>
         <p:spPr>
           <a:xfrm>
-            <a:off x="1224211" y="4770934"/>
+            <a:off x="1224211" y="4383530"/>
             <a:ext cx="645764" cy="477054"/>
           </a:xfrm>
           <a:prstGeom prst="rect">
@@ -6213,13 +6650,13 @@
       </p:sp>
       <p:sp>
         <p:nvSpPr>
-          <p:cNvPr id="219" name="TextBox 218"/>
+          <p:cNvPr id="149" name="TextBox 148"/>
           <p:cNvSpPr txBox="1"/>
           <p:nvPr/>
         </p:nvSpPr>
         <p:spPr>
           <a:xfrm>
-            <a:off x="59450" y="7225689"/>
+            <a:off x="59450" y="7409533"/>
             <a:ext cx="645764" cy="477054"/>
           </a:xfrm>
           <a:prstGeom prst="rect">
@@ -6243,13 +6680,13 @@
       </p:sp>
       <p:sp>
         <p:nvSpPr>
-          <p:cNvPr id="220" name="TextBox 219"/>
+          <p:cNvPr id="150" name="TextBox 149"/>
           <p:cNvSpPr txBox="1"/>
           <p:nvPr/>
         </p:nvSpPr>
         <p:spPr>
           <a:xfrm>
-            <a:off x="1226519" y="9883502"/>
+            <a:off x="1226519" y="10067346"/>
             <a:ext cx="645764" cy="477054"/>
           </a:xfrm>
           <a:prstGeom prst="rect">
@@ -6273,13 +6710,13 @@
       </p:sp>
       <p:cxnSp>
         <p:nvCxnSpPr>
-          <p:cNvPr id="223" name="Straight Arrow Connector 222"/>
+          <p:cNvPr id="151" name="Straight Arrow Connector 150"/>
           <p:cNvCxnSpPr/>
           <p:nvPr/>
         </p:nvCxnSpPr>
         <p:spPr>
           <a:xfrm>
-            <a:off x="4754097" y="3124425"/>
+            <a:off x="4754097" y="2737021"/>
             <a:ext cx="252000" cy="0"/>
           </a:xfrm>
           <a:prstGeom prst="straightConnector1">
@@ -6309,13 +6746,13 @@
       </p:cxnSp>
       <p:cxnSp>
         <p:nvCxnSpPr>
-          <p:cNvPr id="224" name="Straight Arrow Connector 223"/>
+          <p:cNvPr id="152" name="Straight Arrow Connector 151"/>
           <p:cNvCxnSpPr/>
           <p:nvPr/>
         </p:nvCxnSpPr>
         <p:spPr>
           <a:xfrm>
-            <a:off x="6748066" y="3114975"/>
+            <a:off x="6748066" y="2727571"/>
             <a:ext cx="252000" cy="0"/>
           </a:xfrm>
           <a:prstGeom prst="straightConnector1">
@@ -6345,13 +6782,13 @@
       </p:cxnSp>
       <p:cxnSp>
         <p:nvCxnSpPr>
-          <p:cNvPr id="225" name="Straight Arrow Connector 224"/>
+          <p:cNvPr id="153" name="Straight Arrow Connector 152"/>
           <p:cNvCxnSpPr/>
           <p:nvPr/>
         </p:nvCxnSpPr>
         <p:spPr>
           <a:xfrm>
-            <a:off x="8733733" y="3124650"/>
+            <a:off x="8733733" y="2737246"/>
             <a:ext cx="252000" cy="0"/>
           </a:xfrm>
           <a:prstGeom prst="straightConnector1">
@@ -6381,13 +6818,13 @@
       </p:cxnSp>
       <p:cxnSp>
         <p:nvCxnSpPr>
-          <p:cNvPr id="226" name="Straight Arrow Connector 225"/>
+          <p:cNvPr id="154" name="Straight Arrow Connector 153"/>
           <p:cNvCxnSpPr/>
           <p:nvPr/>
         </p:nvCxnSpPr>
         <p:spPr>
           <a:xfrm>
-            <a:off x="8743258" y="8217793"/>
+            <a:off x="8743258" y="8401637"/>
             <a:ext cx="252000" cy="0"/>
           </a:xfrm>
           <a:prstGeom prst="straightConnector1">
@@ -6417,13 +6854,13 @@
       </p:cxnSp>
       <p:cxnSp>
         <p:nvCxnSpPr>
-          <p:cNvPr id="227" name="Straight Arrow Connector 226"/>
+          <p:cNvPr id="155" name="Straight Arrow Connector 154"/>
           <p:cNvCxnSpPr/>
           <p:nvPr/>
         </p:nvCxnSpPr>
         <p:spPr>
           <a:xfrm>
-            <a:off x="6748066" y="8217793"/>
+            <a:off x="6748066" y="8401637"/>
             <a:ext cx="252000" cy="0"/>
           </a:xfrm>
           <a:prstGeom prst="straightConnector1">
@@ -6453,13 +6890,13 @@
       </p:cxnSp>
       <p:cxnSp>
         <p:nvCxnSpPr>
-          <p:cNvPr id="228" name="Straight Arrow Connector 227"/>
+          <p:cNvPr id="160" name="Straight Arrow Connector 159"/>
           <p:cNvCxnSpPr/>
           <p:nvPr/>
         </p:nvCxnSpPr>
         <p:spPr>
           <a:xfrm>
-            <a:off x="4754097" y="8217793"/>
+            <a:off x="4754097" y="8401637"/>
             <a:ext cx="252000" cy="0"/>
           </a:xfrm>
           <a:prstGeom prst="straightConnector1">
@@ -6489,13 +6926,13 @@
       </p:cxnSp>
       <p:cxnSp>
         <p:nvCxnSpPr>
-          <p:cNvPr id="229" name="Straight Arrow Connector 228"/>
+          <p:cNvPr id="236" name="Straight Arrow Connector 235"/>
           <p:cNvCxnSpPr/>
           <p:nvPr/>
         </p:nvCxnSpPr>
         <p:spPr>
           <a:xfrm>
-            <a:off x="2742385" y="8217793"/>
+            <a:off x="2742385" y="8401637"/>
             <a:ext cx="252000" cy="0"/>
           </a:xfrm>
           <a:prstGeom prst="straightConnector1">
@@ -6525,13 +6962,13 @@
       </p:cxnSp>
       <p:cxnSp>
         <p:nvCxnSpPr>
-          <p:cNvPr id="230" name="Straight Arrow Connector 229"/>
+          <p:cNvPr id="237" name="Straight Arrow Connector 236"/>
           <p:cNvCxnSpPr/>
           <p:nvPr/>
         </p:nvCxnSpPr>
         <p:spPr>
           <a:xfrm>
-            <a:off x="743616" y="8217793"/>
+            <a:off x="743616" y="8401637"/>
             <a:ext cx="252000" cy="0"/>
           </a:xfrm>
           <a:prstGeom prst="straightConnector1">
@@ -6561,13 +6998,13 @@
       </p:cxnSp>
       <p:sp>
         <p:nvSpPr>
-          <p:cNvPr id="231" name="Freeform 230"/>
+          <p:cNvPr id="238" name="Freeform 237"/>
           <p:cNvSpPr/>
           <p:nvPr/>
         </p:nvSpPr>
         <p:spPr>
           <a:xfrm>
-            <a:off x="749300" y="3008729"/>
+            <a:off x="749300" y="2621325"/>
             <a:ext cx="1870197" cy="1437848"/>
           </a:xfrm>
           <a:custGeom>
@@ -7096,13 +7533,13 @@
       </p:sp>
       <p:sp>
         <p:nvSpPr>
-          <p:cNvPr id="232" name="Freeform 231"/>
+          <p:cNvPr id="239" name="Freeform 238"/>
           <p:cNvSpPr/>
           <p:nvPr/>
         </p:nvSpPr>
         <p:spPr>
           <a:xfrm>
-            <a:off x="2738351" y="2947950"/>
+            <a:off x="2738351" y="2560546"/>
             <a:ext cx="1868514" cy="1324563"/>
           </a:xfrm>
           <a:custGeom>
@@ -7531,13 +7968,13 @@
       </p:sp>
       <p:cxnSp>
         <p:nvCxnSpPr>
-          <p:cNvPr id="221" name="Straight Arrow Connector 220"/>
+          <p:cNvPr id="240" name="Straight Arrow Connector 239"/>
           <p:cNvCxnSpPr/>
           <p:nvPr/>
         </p:nvCxnSpPr>
         <p:spPr>
           <a:xfrm>
-            <a:off x="740563" y="3124275"/>
+            <a:off x="740563" y="2736871"/>
             <a:ext cx="252000" cy="0"/>
           </a:xfrm>
           <a:prstGeom prst="straightConnector1">
@@ -7567,13 +8004,13 @@
       </p:cxnSp>
       <p:cxnSp>
         <p:nvCxnSpPr>
-          <p:cNvPr id="222" name="Straight Arrow Connector 221"/>
+          <p:cNvPr id="241" name="Straight Arrow Connector 240"/>
           <p:cNvCxnSpPr/>
           <p:nvPr/>
         </p:nvCxnSpPr>
         <p:spPr>
           <a:xfrm>
-            <a:off x="2751910" y="3124350"/>
+            <a:off x="2751910" y="2736946"/>
             <a:ext cx="252000" cy="0"/>
           </a:xfrm>
           <a:prstGeom prst="straightConnector1">
@@ -7603,14 +8040,14 @@
       </p:cxnSp>
       <p:cxnSp>
         <p:nvCxnSpPr>
-          <p:cNvPr id="233" name="Straight Arrow Connector 232"/>
+          <p:cNvPr id="242" name="Straight Arrow Connector 241"/>
           <p:cNvCxnSpPr/>
           <p:nvPr/>
         </p:nvCxnSpPr>
         <p:spPr>
           <a:xfrm>
-            <a:off x="4383602" y="5190937"/>
-            <a:ext cx="0" cy="180000"/>
+            <a:off x="5250296" y="4803533"/>
+            <a:ext cx="0" cy="360000"/>
           </a:xfrm>
           <a:prstGeom prst="straightConnector1">
             <a:avLst/>
@@ -7621,7 +8058,7 @@
                 <a:lumMod val="50000"/>
               </a:schemeClr>
             </a:solidFill>
-            <a:tailEnd type="arrow" w="sm" len="sm"/>
+            <a:tailEnd type="arrow" w="lg" len="lg"/>
           </a:ln>
         </p:spPr>
         <p:style>
@@ -7641,14 +8078,14 @@
       </p:cxnSp>
       <p:cxnSp>
         <p:nvCxnSpPr>
-          <p:cNvPr id="234" name="Straight Arrow Connector 233"/>
+          <p:cNvPr id="243" name="Straight Arrow Connector 242"/>
           <p:cNvCxnSpPr/>
           <p:nvPr/>
         </p:nvCxnSpPr>
         <p:spPr>
           <a:xfrm>
-            <a:off x="3849526" y="5702038"/>
-            <a:ext cx="0" cy="180000"/>
+            <a:off x="4565921" y="5434628"/>
+            <a:ext cx="0" cy="360000"/>
           </a:xfrm>
           <a:prstGeom prst="straightConnector1">
             <a:avLst/>
@@ -7659,7 +8096,7 @@
                 <a:lumMod val="50000"/>
               </a:schemeClr>
             </a:solidFill>
-            <a:tailEnd type="arrow" w="sm" len="sm"/>
+            <a:tailEnd type="arrow" w="lg" len="lg"/>
           </a:ln>
         </p:spPr>
         <p:style>
@@ -7679,14 +8116,14 @@
       </p:cxnSp>
       <p:cxnSp>
         <p:nvCxnSpPr>
-          <p:cNvPr id="235" name="Straight Arrow Connector 234"/>
+          <p:cNvPr id="244" name="Straight Arrow Connector 243"/>
           <p:cNvCxnSpPr/>
           <p:nvPr/>
         </p:nvCxnSpPr>
         <p:spPr>
           <a:xfrm>
-            <a:off x="3052986" y="6442951"/>
-            <a:ext cx="0" cy="180000"/>
+            <a:off x="3569715" y="6388251"/>
+            <a:ext cx="0" cy="360000"/>
           </a:xfrm>
           <a:prstGeom prst="straightConnector1">
             <a:avLst/>
@@ -7697,7 +8134,7 @@
                 <a:lumMod val="50000"/>
               </a:schemeClr>
             </a:solidFill>
-            <a:tailEnd type="arrow" w="sm" len="sm"/>
+            <a:tailEnd type="arrow" w="lg" len="lg"/>
           </a:ln>
         </p:spPr>
         <p:style>
@@ -7717,13 +8154,13 @@
       </p:cxnSp>
       <p:sp>
         <p:nvSpPr>
-          <p:cNvPr id="82" name="TextBox 81"/>
+          <p:cNvPr id="245" name="TextBox 244"/>
           <p:cNvSpPr txBox="1"/>
           <p:nvPr/>
         </p:nvSpPr>
         <p:spPr>
           <a:xfrm>
-            <a:off x="9101658" y="1575168"/>
+            <a:off x="9101658" y="1187764"/>
             <a:ext cx="794645" cy="430887"/>
           </a:xfrm>
           <a:prstGeom prst="rect">
@@ -7741,19 +8178,18 @@
               <a:rPr lang="en-GB" sz="2200" dirty="0" smtClean="0"/>
               <a:t>Ti</a:t>
             </a:r>
-            <a:endParaRPr lang="en-GB" sz="2200" dirty="0" smtClean="0"/>
           </a:p>
         </p:txBody>
       </p:sp>
       <p:cxnSp>
         <p:nvCxnSpPr>
-          <p:cNvPr id="83" name="Straight Connector 82"/>
+          <p:cNvPr id="246" name="Straight Connector 245"/>
           <p:cNvCxnSpPr/>
           <p:nvPr/>
         </p:nvCxnSpPr>
         <p:spPr>
           <a:xfrm>
-            <a:off x="8897004" y="1556232"/>
+            <a:off x="8897004" y="1168828"/>
             <a:ext cx="261296" cy="239742"/>
           </a:xfrm>
           <a:prstGeom prst="line">
@@ -7782,13 +8218,13 @@
       </p:cxnSp>
       <p:sp>
         <p:nvSpPr>
-          <p:cNvPr id="84" name="TextBox 83"/>
+          <p:cNvPr id="247" name="TextBox 246"/>
           <p:cNvSpPr txBox="1"/>
           <p:nvPr/>
         </p:nvSpPr>
         <p:spPr>
           <a:xfrm>
-            <a:off x="9073083" y="43975"/>
+            <a:off x="9155941" y="-12911"/>
             <a:ext cx="794645" cy="430887"/>
           </a:xfrm>
           <a:prstGeom prst="rect">
@@ -7812,14 +8248,16 @@
       </p:sp>
       <p:cxnSp>
         <p:nvCxnSpPr>
-          <p:cNvPr id="85" name="Straight Connector 84"/>
-          <p:cNvCxnSpPr/>
+          <p:cNvPr id="248" name="Straight Connector 247"/>
+          <p:cNvCxnSpPr>
+            <a:endCxn id="247" idx="1"/>
+          </p:cNvCxnSpPr>
           <p:nvPr/>
         </p:nvCxnSpPr>
         <p:spPr>
-          <a:xfrm flipV="1">
-            <a:off x="8872193" y="279457"/>
-            <a:ext cx="261296" cy="233505"/>
+          <a:xfrm>
+            <a:off x="8872193" y="197748"/>
+            <a:ext cx="283748" cy="4785"/>
           </a:xfrm>
           <a:prstGeom prst="line">
             <a:avLst/>
@@ -8148,4 +8586,289 @@
   <a:objectDefaults/>
   <a:extraClrSchemeLst/>
 </a:theme>
+</file>
+
+<file path=ppt/theme/theme2.xml><?xml version="1.0" encoding="utf-8"?>
+<a:theme xmlns:a="http://schemas.openxmlformats.org/drawingml/2006/main" name="Office Theme">
+  <a:themeElements>
+    <a:clrScheme name="Office">
+      <a:dk1>
+        <a:sysClr val="windowText" lastClr="000000"/>
+      </a:dk1>
+      <a:lt1>
+        <a:sysClr val="window" lastClr="FFFFFF"/>
+      </a:lt1>
+      <a:dk2>
+        <a:srgbClr val="1F497D"/>
+      </a:dk2>
+      <a:lt2>
+        <a:srgbClr val="EEECE1"/>
+      </a:lt2>
+      <a:accent1>
+        <a:srgbClr val="4F81BD"/>
+      </a:accent1>
+      <a:accent2>
+        <a:srgbClr val="C0504D"/>
+      </a:accent2>
+      <a:accent3>
+        <a:srgbClr val="9BBB59"/>
+      </a:accent3>
+      <a:accent4>
+        <a:srgbClr val="8064A2"/>
+      </a:accent4>
+      <a:accent5>
+        <a:srgbClr val="4BACC6"/>
+      </a:accent5>
+      <a:accent6>
+        <a:srgbClr val="F79646"/>
+      </a:accent6>
+      <a:hlink>
+        <a:srgbClr val="0000FF"/>
+      </a:hlink>
+      <a:folHlink>
+        <a:srgbClr val="800080"/>
+      </a:folHlink>
+    </a:clrScheme>
+    <a:fontScheme name="Office">
+      <a:majorFont>
+        <a:latin typeface="Calibri"/>
+        <a:ea typeface=""/>
+        <a:cs typeface=""/>
+        <a:font script="Jpan" typeface="ＭＳ Ｐゴシック"/>
+        <a:font script="Hang" typeface="맑은 고딕"/>
+        <a:font script="Hans" typeface="宋体"/>
+        <a:font script="Hant" typeface="新細明體"/>
+        <a:font script="Arab" typeface="Times New Roman"/>
+        <a:font script="Hebr" typeface="Times New Roman"/>
+        <a:font script="Thai" typeface="Angsana New"/>
+        <a:font script="Ethi" typeface="Nyala"/>
+        <a:font script="Beng" typeface="Vrinda"/>
+        <a:font script="Gujr" typeface="Shruti"/>
+        <a:font script="Khmr" typeface="MoolBoran"/>
+        <a:font script="Knda" typeface="Tunga"/>
+        <a:font script="Guru" typeface="Raavi"/>
+        <a:font script="Cans" typeface="Euphemia"/>
+        <a:font script="Cher" typeface="Plantagenet Cherokee"/>
+        <a:font script="Yiii" typeface="Microsoft Yi Baiti"/>
+        <a:font script="Tibt" typeface="Microsoft Himalaya"/>
+        <a:font script="Thaa" typeface="MV Boli"/>
+        <a:font script="Deva" typeface="Mangal"/>
+        <a:font script="Telu" typeface="Gautami"/>
+        <a:font script="Taml" typeface="Latha"/>
+        <a:font script="Syrc" typeface="Estrangelo Edessa"/>
+        <a:font script="Orya" typeface="Kalinga"/>
+        <a:font script="Mlym" typeface="Kartika"/>
+        <a:font script="Laoo" typeface="DokChampa"/>
+        <a:font script="Sinh" typeface="Iskoola Pota"/>
+        <a:font script="Mong" typeface="Mongolian Baiti"/>
+        <a:font script="Viet" typeface="Times New Roman"/>
+        <a:font script="Uigh" typeface="Microsoft Uighur"/>
+        <a:font script="Geor" typeface="Sylfaen"/>
+      </a:majorFont>
+      <a:minorFont>
+        <a:latin typeface="Calibri"/>
+        <a:ea typeface=""/>
+        <a:cs typeface=""/>
+        <a:font script="Jpan" typeface="ＭＳ Ｐゴシック"/>
+        <a:font script="Hang" typeface="맑은 고딕"/>
+        <a:font script="Hans" typeface="宋体"/>
+        <a:font script="Hant" typeface="新細明體"/>
+        <a:font script="Arab" typeface="Arial"/>
+        <a:font script="Hebr" typeface="Arial"/>
+        <a:font script="Thai" typeface="Cordia New"/>
+        <a:font script="Ethi" typeface="Nyala"/>
+        <a:font script="Beng" typeface="Vrinda"/>
+        <a:font script="Gujr" typeface="Shruti"/>
+        <a:font script="Khmr" typeface="DaunPenh"/>
+        <a:font script="Knda" typeface="Tunga"/>
+        <a:font script="Guru" typeface="Raavi"/>
+        <a:font script="Cans" typeface="Euphemia"/>
+        <a:font script="Cher" typeface="Plantagenet Cherokee"/>
+        <a:font script="Yiii" typeface="Microsoft Yi Baiti"/>
+        <a:font script="Tibt" typeface="Microsoft Himalaya"/>
+        <a:font script="Thaa" typeface="MV Boli"/>
+        <a:font script="Deva" typeface="Mangal"/>
+        <a:font script="Telu" typeface="Gautami"/>
+        <a:font script="Taml" typeface="Latha"/>
+        <a:font script="Syrc" typeface="Estrangelo Edessa"/>
+        <a:font script="Orya" typeface="Kalinga"/>
+        <a:font script="Mlym" typeface="Kartika"/>
+        <a:font script="Laoo" typeface="DokChampa"/>
+        <a:font script="Sinh" typeface="Iskoola Pota"/>
+        <a:font script="Mong" typeface="Mongolian Baiti"/>
+        <a:font script="Viet" typeface="Arial"/>
+        <a:font script="Uigh" typeface="Microsoft Uighur"/>
+        <a:font script="Geor" typeface="Sylfaen"/>
+      </a:minorFont>
+    </a:fontScheme>
+    <a:fmtScheme name="Office">
+      <a:fillStyleLst>
+        <a:solidFill>
+          <a:schemeClr val="phClr"/>
+        </a:solidFill>
+        <a:gradFill rotWithShape="1">
+          <a:gsLst>
+            <a:gs pos="0">
+              <a:schemeClr val="phClr">
+                <a:tint val="50000"/>
+                <a:satMod val="300000"/>
+              </a:schemeClr>
+            </a:gs>
+            <a:gs pos="35000">
+              <a:schemeClr val="phClr">
+                <a:tint val="37000"/>
+                <a:satMod val="300000"/>
+              </a:schemeClr>
+            </a:gs>
+            <a:gs pos="100000">
+              <a:schemeClr val="phClr">
+                <a:tint val="15000"/>
+                <a:satMod val="350000"/>
+              </a:schemeClr>
+            </a:gs>
+          </a:gsLst>
+          <a:lin ang="16200000" scaled="1"/>
+        </a:gradFill>
+        <a:gradFill rotWithShape="1">
+          <a:gsLst>
+            <a:gs pos="0">
+              <a:schemeClr val="phClr">
+                <a:shade val="51000"/>
+                <a:satMod val="130000"/>
+              </a:schemeClr>
+            </a:gs>
+            <a:gs pos="80000">
+              <a:schemeClr val="phClr">
+                <a:shade val="93000"/>
+                <a:satMod val="130000"/>
+              </a:schemeClr>
+            </a:gs>
+            <a:gs pos="100000">
+              <a:schemeClr val="phClr">
+                <a:shade val="94000"/>
+                <a:satMod val="135000"/>
+              </a:schemeClr>
+            </a:gs>
+          </a:gsLst>
+          <a:lin ang="16200000" scaled="0"/>
+        </a:gradFill>
+      </a:fillStyleLst>
+      <a:lnStyleLst>
+        <a:ln w="9525" cap="flat" cmpd="sng" algn="ctr">
+          <a:solidFill>
+            <a:schemeClr val="phClr">
+              <a:shade val="95000"/>
+              <a:satMod val="105000"/>
+            </a:schemeClr>
+          </a:solidFill>
+          <a:prstDash val="solid"/>
+        </a:ln>
+        <a:ln w="25400" cap="flat" cmpd="sng" algn="ctr">
+          <a:solidFill>
+            <a:schemeClr val="phClr"/>
+          </a:solidFill>
+          <a:prstDash val="solid"/>
+        </a:ln>
+        <a:ln w="38100" cap="flat" cmpd="sng" algn="ctr">
+          <a:solidFill>
+            <a:schemeClr val="phClr"/>
+          </a:solidFill>
+          <a:prstDash val="solid"/>
+        </a:ln>
+      </a:lnStyleLst>
+      <a:effectStyleLst>
+        <a:effectStyle>
+          <a:effectLst>
+            <a:outerShdw blurRad="40000" dist="20000" dir="5400000" rotWithShape="0">
+              <a:srgbClr val="000000">
+                <a:alpha val="38000"/>
+              </a:srgbClr>
+            </a:outerShdw>
+          </a:effectLst>
+        </a:effectStyle>
+        <a:effectStyle>
+          <a:effectLst>
+            <a:outerShdw blurRad="40000" dist="23000" dir="5400000" rotWithShape="0">
+              <a:srgbClr val="000000">
+                <a:alpha val="35000"/>
+              </a:srgbClr>
+            </a:outerShdw>
+          </a:effectLst>
+        </a:effectStyle>
+        <a:effectStyle>
+          <a:effectLst>
+            <a:outerShdw blurRad="40000" dist="23000" dir="5400000" rotWithShape="0">
+              <a:srgbClr val="000000">
+                <a:alpha val="35000"/>
+              </a:srgbClr>
+            </a:outerShdw>
+          </a:effectLst>
+          <a:scene3d>
+            <a:camera prst="orthographicFront">
+              <a:rot lat="0" lon="0" rev="0"/>
+            </a:camera>
+            <a:lightRig rig="threePt" dir="t">
+              <a:rot lat="0" lon="0" rev="1200000"/>
+            </a:lightRig>
+          </a:scene3d>
+          <a:sp3d>
+            <a:bevelT w="63500" h="25400"/>
+          </a:sp3d>
+        </a:effectStyle>
+      </a:effectStyleLst>
+      <a:bgFillStyleLst>
+        <a:solidFill>
+          <a:schemeClr val="phClr"/>
+        </a:solidFill>
+        <a:gradFill rotWithShape="1">
+          <a:gsLst>
+            <a:gs pos="0">
+              <a:schemeClr val="phClr">
+                <a:tint val="40000"/>
+                <a:satMod val="350000"/>
+              </a:schemeClr>
+            </a:gs>
+            <a:gs pos="40000">
+              <a:schemeClr val="phClr">
+                <a:tint val="45000"/>
+                <a:shade val="99000"/>
+                <a:satMod val="350000"/>
+              </a:schemeClr>
+            </a:gs>
+            <a:gs pos="100000">
+              <a:schemeClr val="phClr">
+                <a:shade val="20000"/>
+                <a:satMod val="255000"/>
+              </a:schemeClr>
+            </a:gs>
+          </a:gsLst>
+          <a:path path="circle">
+            <a:fillToRect l="50000" t="-80000" r="50000" b="180000"/>
+          </a:path>
+        </a:gradFill>
+        <a:gradFill rotWithShape="1">
+          <a:gsLst>
+            <a:gs pos="0">
+              <a:schemeClr val="phClr">
+                <a:tint val="80000"/>
+                <a:satMod val="300000"/>
+              </a:schemeClr>
+            </a:gs>
+            <a:gs pos="100000">
+              <a:schemeClr val="phClr">
+                <a:shade val="30000"/>
+                <a:satMod val="200000"/>
+              </a:schemeClr>
+            </a:gs>
+          </a:gsLst>
+          <a:path path="circle">
+            <a:fillToRect l="50000" t="50000" r="50000" b="50000"/>
+          </a:path>
+        </a:gradFill>
+      </a:bgFillStyleLst>
+    </a:fmtScheme>
+  </a:themeElements>
+  <a:objectDefaults/>
+  <a:extraClrSchemeLst/>
+</a:theme>
 </file>
--- a/Chapter7/Figures/Fig6.pptx
+++ b/Chapter7/Figures/Fig6.pptx
@@ -192,7 +192,7 @@
           <a:p>
             <a:fld id="{88F7F4AF-C146-4B2A-A485-B89305A387A6}" type="datetimeFigureOut">
               <a:rPr lang="en-GB" smtClean="0"/>
-              <a:t>10/09/2014</a:t>
+              <a:t>27/09/2014</a:t>
             </a:fld>
             <a:endParaRPr lang="en-GB"/>
           </a:p>
@@ -725,7 +725,7 @@
           <a:p>
             <a:fld id="{4D792E19-0BEC-4B8D-B7D3-C8ECEB03A1A5}" type="datetimeFigureOut">
               <a:rPr lang="en-GB" smtClean="0"/>
-              <a:t>10/09/2014</a:t>
+              <a:t>27/09/2014</a:t>
             </a:fld>
             <a:endParaRPr lang="en-GB"/>
           </a:p>
@@ -895,7 +895,7 @@
           <a:p>
             <a:fld id="{4D792E19-0BEC-4B8D-B7D3-C8ECEB03A1A5}" type="datetimeFigureOut">
               <a:rPr lang="en-GB" smtClean="0"/>
-              <a:t>10/09/2014</a:t>
+              <a:t>27/09/2014</a:t>
             </a:fld>
             <a:endParaRPr lang="en-GB"/>
           </a:p>
@@ -1075,7 +1075,7 @@
           <a:p>
             <a:fld id="{4D792E19-0BEC-4B8D-B7D3-C8ECEB03A1A5}" type="datetimeFigureOut">
               <a:rPr lang="en-GB" smtClean="0"/>
-              <a:t>10/09/2014</a:t>
+              <a:t>27/09/2014</a:t>
             </a:fld>
             <a:endParaRPr lang="en-GB"/>
           </a:p>
@@ -1245,7 +1245,7 @@
           <a:p>
             <a:fld id="{4D792E19-0BEC-4B8D-B7D3-C8ECEB03A1A5}" type="datetimeFigureOut">
               <a:rPr lang="en-GB" smtClean="0"/>
-              <a:t>10/09/2014</a:t>
+              <a:t>27/09/2014</a:t>
             </a:fld>
             <a:endParaRPr lang="en-GB"/>
           </a:p>
@@ -1491,7 +1491,7 @@
           <a:p>
             <a:fld id="{4D792E19-0BEC-4B8D-B7D3-C8ECEB03A1A5}" type="datetimeFigureOut">
               <a:rPr lang="en-GB" smtClean="0"/>
-              <a:t>10/09/2014</a:t>
+              <a:t>27/09/2014</a:t>
             </a:fld>
             <a:endParaRPr lang="en-GB"/>
           </a:p>
@@ -1779,7 +1779,7 @@
           <a:p>
             <a:fld id="{4D792E19-0BEC-4B8D-B7D3-C8ECEB03A1A5}" type="datetimeFigureOut">
               <a:rPr lang="en-GB" smtClean="0"/>
-              <a:t>10/09/2014</a:t>
+              <a:t>27/09/2014</a:t>
             </a:fld>
             <a:endParaRPr lang="en-GB"/>
           </a:p>
@@ -2201,7 +2201,7 @@
           <a:p>
             <a:fld id="{4D792E19-0BEC-4B8D-B7D3-C8ECEB03A1A5}" type="datetimeFigureOut">
               <a:rPr lang="en-GB" smtClean="0"/>
-              <a:t>10/09/2014</a:t>
+              <a:t>27/09/2014</a:t>
             </a:fld>
             <a:endParaRPr lang="en-GB"/>
           </a:p>
@@ -2319,7 +2319,7 @@
           <a:p>
             <a:fld id="{4D792E19-0BEC-4B8D-B7D3-C8ECEB03A1A5}" type="datetimeFigureOut">
               <a:rPr lang="en-GB" smtClean="0"/>
-              <a:t>10/09/2014</a:t>
+              <a:t>27/09/2014</a:t>
             </a:fld>
             <a:endParaRPr lang="en-GB"/>
           </a:p>
@@ -2414,7 +2414,7 @@
           <a:p>
             <a:fld id="{4D792E19-0BEC-4B8D-B7D3-C8ECEB03A1A5}" type="datetimeFigureOut">
               <a:rPr lang="en-GB" smtClean="0"/>
-              <a:t>10/09/2014</a:t>
+              <a:t>27/09/2014</a:t>
             </a:fld>
             <a:endParaRPr lang="en-GB"/>
           </a:p>
@@ -2691,7 +2691,7 @@
           <a:p>
             <a:fld id="{4D792E19-0BEC-4B8D-B7D3-C8ECEB03A1A5}" type="datetimeFigureOut">
               <a:rPr lang="en-GB" smtClean="0"/>
-              <a:t>10/09/2014</a:t>
+              <a:t>27/09/2014</a:t>
             </a:fld>
             <a:endParaRPr lang="en-GB"/>
           </a:p>
@@ -2944,7 +2944,7 @@
           <a:p>
             <a:fld id="{4D792E19-0BEC-4B8D-B7D3-C8ECEB03A1A5}" type="datetimeFigureOut">
               <a:rPr lang="en-GB" smtClean="0"/>
-              <a:t>10/09/2014</a:t>
+              <a:t>27/09/2014</a:t>
             </a:fld>
             <a:endParaRPr lang="en-GB"/>
           </a:p>
@@ -3157,7 +3157,7 @@
           <a:p>
             <a:fld id="{4D792E19-0BEC-4B8D-B7D3-C8ECEB03A1A5}" type="datetimeFigureOut">
               <a:rPr lang="en-GB" smtClean="0"/>
-              <a:t>10/09/2014</a:t>
+              <a:t>27/09/2014</a:t>
             </a:fld>
             <a:endParaRPr lang="en-GB"/>
           </a:p>
@@ -8224,7 +8224,7 @@
         </p:nvSpPr>
         <p:spPr>
           <a:xfrm>
-            <a:off x="9155941" y="-12911"/>
+            <a:off x="9361115" y="-17696"/>
             <a:ext cx="794645" cy="430887"/>
           </a:xfrm>
           <a:prstGeom prst="rect">
@@ -8255,9 +8255,9 @@
           <p:nvPr/>
         </p:nvCxnSpPr>
         <p:spPr>
-          <a:xfrm>
-            <a:off x="8872193" y="197748"/>
-            <a:ext cx="283748" cy="4785"/>
+          <a:xfrm flipV="1">
+            <a:off x="8939797" y="197748"/>
+            <a:ext cx="421318" cy="83223"/>
           </a:xfrm>
           <a:prstGeom prst="line">
             <a:avLst/>
